--- a/Knit It.pptx
+++ b/Knit It.pptx
@@ -2,11 +2,16 @@
 <file path=ppt/presentation.xml><?xml version="1.0" encoding="utf-8"?>
 <p:presentation xmlns:a="http://schemas.openxmlformats.org/drawingml/2006/main" xmlns:r="http://schemas.openxmlformats.org/officeDocument/2006/relationships" xmlns:p="http://schemas.openxmlformats.org/presentationml/2006/main" autoCompressPictures="0">
   <p:sldMasterIdLst>
-    <p:sldMasterId id="2147483648" r:id="rId1"/>
+    <p:sldMasterId id="2147483648" r:id="rId4"/>
   </p:sldMasterIdLst>
   <p:sldIdLst>
-    <p:sldId id="256" r:id="rId2"/>
-    <p:sldId id="257" r:id="rId3"/>
+    <p:sldId id="256" r:id="rId5"/>
+    <p:sldId id="257" r:id="rId6"/>
+    <p:sldId id="258" r:id="rId7"/>
+    <p:sldId id="259" r:id="rId8"/>
+    <p:sldId id="260" r:id="rId9"/>
+    <p:sldId id="262" r:id="rId10"/>
+    <p:sldId id="261" r:id="rId11"/>
   </p:sldIdLst>
   <p:sldSz cx="12192000" cy="6858000"/>
   <p:notesSz cx="6858000" cy="9144000"/>
@@ -105,7 +110,20 @@
       </a:defRPr>
     </a:lvl9pPr>
   </p:defaultTextStyle>
+  <p:extLst>
+    <p:ext uri="{EFAFB233-063F-42B5-8137-9DF3F51BA10A}">
+      <p15:sldGuideLst xmlns:p15="http://schemas.microsoft.com/office/powerpoint/2012/main"/>
+    </p:ext>
+  </p:extLst>
 </p:presentation>
+</file>
+
+<file path=ppt/revisionInfo.xml><?xml version="1.0" encoding="utf-8"?>
+<p1510:revInfo xmlns:a="http://schemas.openxmlformats.org/drawingml/2006/main" xmlns:r="http://schemas.openxmlformats.org/officeDocument/2006/relationships" xmlns:p1510="http://schemas.microsoft.com/office/powerpoint/2015/10/main">
+  <p1510:revLst>
+    <p1510:client id="{0689DC9C-8880-4B7F-B655-F277EA9CCCDE}" v="20" dt="2021-11-26T13:50:58.605"/>
+  </p1510:revLst>
+</p1510:revInfo>
 </file>
 
 <file path=ppt/slideLayouts/slideLayout1.xml><?xml version="1.0" encoding="utf-8"?>
@@ -6078,6 +6096,1940 @@
 </p:sld>
 </file>
 
+<file path=ppt/slides/slide3.xml><?xml version="1.0" encoding="utf-8"?>
+<p:sld xmlns:a="http://schemas.openxmlformats.org/drawingml/2006/main" xmlns:r="http://schemas.openxmlformats.org/officeDocument/2006/relationships" xmlns:p="http://schemas.openxmlformats.org/presentationml/2006/main">
+  <p:cSld>
+    <p:spTree>
+      <p:nvGrpSpPr>
+        <p:cNvPr id="1" name=""/>
+        <p:cNvGrpSpPr/>
+        <p:nvPr/>
+      </p:nvGrpSpPr>
+      <p:grpSpPr>
+        <a:xfrm>
+          <a:off x="0" y="0"/>
+          <a:ext cx="0" cy="0"/>
+          <a:chOff x="0" y="0"/>
+          <a:chExt cx="0" cy="0"/>
+        </a:xfrm>
+      </p:grpSpPr>
+      <p:sp>
+        <p:nvSpPr>
+          <p:cNvPr id="2" name="Title 1">
+            <a:extLst>
+              <a:ext uri="{FF2B5EF4-FFF2-40B4-BE49-F238E27FC236}">
+                <a16:creationId xmlns:a16="http://schemas.microsoft.com/office/drawing/2014/main" id="{7DDD712D-BA35-4743-976E-FD9FCDD414DD}"/>
+              </a:ext>
+            </a:extLst>
+          </p:cNvPr>
+          <p:cNvSpPr>
+            <a:spLocks noGrp="1"/>
+          </p:cNvSpPr>
+          <p:nvPr>
+            <p:ph type="title"/>
+          </p:nvPr>
+        </p:nvSpPr>
+        <p:spPr/>
+        <p:txBody>
+          <a:bodyPr/>
+          <a:lstStyle/>
+          <a:p>
+            <a:r>
+              <a:rPr lang="en-IE" dirty="0"/>
+              <a:t>World Background</a:t>
+            </a:r>
+          </a:p>
+        </p:txBody>
+      </p:sp>
+      <p:sp>
+        <p:nvSpPr>
+          <p:cNvPr id="3" name="Content Placeholder 2">
+            <a:extLst>
+              <a:ext uri="{FF2B5EF4-FFF2-40B4-BE49-F238E27FC236}">
+                <a16:creationId xmlns:a16="http://schemas.microsoft.com/office/drawing/2014/main" id="{675232EE-F0C6-459F-B075-A485BB3252D5}"/>
+              </a:ext>
+            </a:extLst>
+          </p:cNvPr>
+          <p:cNvSpPr>
+            <a:spLocks noGrp="1"/>
+          </p:cNvSpPr>
+          <p:nvPr>
+            <p:ph idx="1"/>
+          </p:nvPr>
+        </p:nvSpPr>
+        <p:spPr>
+          <a:xfrm>
+            <a:off x="677334" y="1488613"/>
+            <a:ext cx="8596668" cy="3880773"/>
+          </a:xfrm>
+        </p:spPr>
+        <p:txBody>
+          <a:bodyPr/>
+          <a:lstStyle/>
+          <a:p>
+            <a:r>
+              <a:rPr lang="en-US" dirty="0"/>
+              <a:t>Sponge is a casual swamp frog who has a love for knitting. It is his goal to knit the greatest jumpers.</a:t>
+            </a:r>
+          </a:p>
+          <a:p>
+            <a:r>
+              <a:rPr lang="en-US" dirty="0"/>
+              <a:t>He has been catching and combining yarn in order to find the best combination for a jumper.</a:t>
+            </a:r>
+          </a:p>
+          <a:p>
+            <a:r>
+              <a:rPr lang="en-US" dirty="0"/>
+              <a:t> He sells his jumpers in order to buy books to fuel his desire to knit and create more jumpers.</a:t>
+            </a:r>
+            <a:endParaRPr lang="en-IE" dirty="0"/>
+          </a:p>
+        </p:txBody>
+      </p:sp>
+      <p:pic>
+        <p:nvPicPr>
+          <p:cNvPr id="1026" name="Picture 2" descr="Swamp&amp;quot; from &amp;quot;just pencil on paper&amp;quot; | Frog drawing, Frog art, Frog  illustration">
+            <a:extLst>
+              <a:ext uri="{FF2B5EF4-FFF2-40B4-BE49-F238E27FC236}">
+                <a16:creationId xmlns:a16="http://schemas.microsoft.com/office/drawing/2014/main" id="{9033F9C2-24F5-4661-9C26-7753BF1B73AA}"/>
+              </a:ext>
+            </a:extLst>
+          </p:cNvPr>
+          <p:cNvPicPr>
+            <a:picLocks noChangeAspect="1" noChangeArrowheads="1"/>
+          </p:cNvPicPr>
+          <p:nvPr/>
+        </p:nvPicPr>
+        <p:blipFill>
+          <a:blip r:embed="rId2">
+            <a:extLst>
+              <a:ext uri="{28A0092B-C50C-407E-A947-70E740481C1C}">
+                <a14:useLocalDpi xmlns:a14="http://schemas.microsoft.com/office/drawing/2010/main" val="0"/>
+              </a:ext>
+            </a:extLst>
+          </a:blip>
+          <a:srcRect/>
+          <a:stretch>
+            <a:fillRect/>
+          </a:stretch>
+        </p:blipFill>
+        <p:spPr bwMode="auto">
+          <a:xfrm>
+            <a:off x="1209549" y="3657600"/>
+            <a:ext cx="4145172" cy="2953512"/>
+          </a:xfrm>
+          <a:prstGeom prst="rect">
+            <a:avLst/>
+          </a:prstGeom>
+          <a:noFill/>
+          <a:extLst>
+            <a:ext uri="{909E8E84-426E-40DD-AFC4-6F175D3DCCD1}">
+              <a14:hiddenFill xmlns:a14="http://schemas.microsoft.com/office/drawing/2010/main">
+                <a:solidFill>
+                  <a:srgbClr val="FFFFFF"/>
+                </a:solidFill>
+              </a14:hiddenFill>
+            </a:ext>
+          </a:extLst>
+        </p:spPr>
+      </p:pic>
+      <p:pic>
+        <p:nvPicPr>
+          <p:cNvPr id="1028" name="Picture 4" descr="The Best Knitting Tools and Materials | Martha Stewart">
+            <a:extLst>
+              <a:ext uri="{FF2B5EF4-FFF2-40B4-BE49-F238E27FC236}">
+                <a16:creationId xmlns:a16="http://schemas.microsoft.com/office/drawing/2014/main" id="{E2F10F38-7C19-4A0F-8011-98267D106729}"/>
+              </a:ext>
+            </a:extLst>
+          </p:cNvPr>
+          <p:cNvPicPr>
+            <a:picLocks noChangeAspect="1" noChangeArrowheads="1"/>
+          </p:cNvPicPr>
+          <p:nvPr/>
+        </p:nvPicPr>
+        <p:blipFill>
+          <a:blip r:embed="rId3">
+            <a:extLst>
+              <a:ext uri="{28A0092B-C50C-407E-A947-70E740481C1C}">
+                <a14:useLocalDpi xmlns:a14="http://schemas.microsoft.com/office/drawing/2010/main" val="0"/>
+              </a:ext>
+            </a:extLst>
+          </a:blip>
+          <a:srcRect/>
+          <a:stretch>
+            <a:fillRect/>
+          </a:stretch>
+        </p:blipFill>
+        <p:spPr bwMode="auto">
+          <a:xfrm>
+            <a:off x="5961825" y="3708400"/>
+            <a:ext cx="4145173" cy="2762596"/>
+          </a:xfrm>
+          <a:prstGeom prst="rect">
+            <a:avLst/>
+          </a:prstGeom>
+          <a:noFill/>
+          <a:extLst>
+            <a:ext uri="{909E8E84-426E-40DD-AFC4-6F175D3DCCD1}">
+              <a14:hiddenFill xmlns:a14="http://schemas.microsoft.com/office/drawing/2010/main">
+                <a:solidFill>
+                  <a:srgbClr val="FFFFFF"/>
+                </a:solidFill>
+              </a14:hiddenFill>
+            </a:ext>
+          </a:extLst>
+        </p:spPr>
+      </p:pic>
+    </p:spTree>
+    <p:extLst>
+      <p:ext uri="{BB962C8B-B14F-4D97-AF65-F5344CB8AC3E}">
+        <p14:creationId xmlns:p14="http://schemas.microsoft.com/office/powerpoint/2010/main" val="2174719277"/>
+      </p:ext>
+    </p:extLst>
+  </p:cSld>
+  <p:clrMapOvr>
+    <a:masterClrMapping/>
+  </p:clrMapOvr>
+</p:sld>
+</file>
+
+<file path=ppt/slides/slide4.xml><?xml version="1.0" encoding="utf-8"?>
+<p:sld xmlns:a="http://schemas.openxmlformats.org/drawingml/2006/main" xmlns:r="http://schemas.openxmlformats.org/officeDocument/2006/relationships" xmlns:p="http://schemas.openxmlformats.org/presentationml/2006/main">
+  <p:cSld>
+    <p:spTree>
+      <p:nvGrpSpPr>
+        <p:cNvPr id="1" name=""/>
+        <p:cNvGrpSpPr/>
+        <p:nvPr/>
+      </p:nvGrpSpPr>
+      <p:grpSpPr>
+        <a:xfrm>
+          <a:off x="0" y="0"/>
+          <a:ext cx="0" cy="0"/>
+          <a:chOff x="0" y="0"/>
+          <a:chExt cx="0" cy="0"/>
+        </a:xfrm>
+      </p:grpSpPr>
+      <p:sp>
+        <p:nvSpPr>
+          <p:cNvPr id="2" name="Title 1">
+            <a:extLst>
+              <a:ext uri="{FF2B5EF4-FFF2-40B4-BE49-F238E27FC236}">
+                <a16:creationId xmlns:a16="http://schemas.microsoft.com/office/drawing/2014/main" id="{80EF5110-B56A-4DD3-B439-C49DA049181A}"/>
+              </a:ext>
+            </a:extLst>
+          </p:cNvPr>
+          <p:cNvSpPr>
+            <a:spLocks noGrp="1"/>
+          </p:cNvSpPr>
+          <p:nvPr>
+            <p:ph type="title"/>
+          </p:nvPr>
+        </p:nvSpPr>
+        <p:spPr/>
+        <p:txBody>
+          <a:bodyPr/>
+          <a:lstStyle/>
+          <a:p>
+            <a:r>
+              <a:rPr lang="en-IE" dirty="0"/>
+              <a:t>Pillars</a:t>
+            </a:r>
+          </a:p>
+        </p:txBody>
+      </p:sp>
+      <p:sp>
+        <p:nvSpPr>
+          <p:cNvPr id="3" name="Content Placeholder 2">
+            <a:extLst>
+              <a:ext uri="{FF2B5EF4-FFF2-40B4-BE49-F238E27FC236}">
+                <a16:creationId xmlns:a16="http://schemas.microsoft.com/office/drawing/2014/main" id="{525C8C90-FECC-4500-A2A8-9A0F4068B151}"/>
+              </a:ext>
+            </a:extLst>
+          </p:cNvPr>
+          <p:cNvSpPr>
+            <a:spLocks noGrp="1"/>
+          </p:cNvSpPr>
+          <p:nvPr>
+            <p:ph idx="1"/>
+          </p:nvPr>
+        </p:nvSpPr>
+        <p:spPr/>
+        <p:txBody>
+          <a:bodyPr/>
+          <a:lstStyle/>
+          <a:p>
+            <a:r>
+              <a:rPr lang="en-US" dirty="0"/>
+              <a:t>75% Catch game </a:t>
+            </a:r>
+          </a:p>
+          <a:p>
+            <a:r>
+              <a:rPr lang="en-US" dirty="0"/>
+              <a:t>10% </a:t>
+            </a:r>
+            <a:r>
+              <a:rPr lang="en-US" dirty="0" err="1"/>
+              <a:t>customisation</a:t>
+            </a:r>
+            <a:r>
+              <a:rPr lang="en-US" dirty="0"/>
+              <a:t> </a:t>
+            </a:r>
+          </a:p>
+          <a:p>
+            <a:r>
+              <a:rPr lang="en-US" dirty="0"/>
+              <a:t>10% Energy recharge waiting system,  </a:t>
+            </a:r>
+          </a:p>
+          <a:p>
+            <a:r>
+              <a:rPr lang="en-US" dirty="0"/>
+              <a:t>5 % Cute Music </a:t>
+            </a:r>
+            <a:endParaRPr lang="en-IE" dirty="0"/>
+          </a:p>
+        </p:txBody>
+      </p:sp>
+      <p:pic>
+        <p:nvPicPr>
+          <p:cNvPr id="2050" name="Picture 2" descr="Stream Shy Little Frog | Lofi by Musicalaaron | Listen online for free on  SoundCloud">
+            <a:extLst>
+              <a:ext uri="{FF2B5EF4-FFF2-40B4-BE49-F238E27FC236}">
+                <a16:creationId xmlns:a16="http://schemas.microsoft.com/office/drawing/2014/main" id="{FD3A4306-8779-4C26-B5A6-CD032538C5D8}"/>
+              </a:ext>
+            </a:extLst>
+          </p:cNvPr>
+          <p:cNvPicPr>
+            <a:picLocks noChangeAspect="1" noChangeArrowheads="1"/>
+          </p:cNvPicPr>
+          <p:nvPr/>
+        </p:nvPicPr>
+        <p:blipFill>
+          <a:blip r:embed="rId2">
+            <a:extLst>
+              <a:ext uri="{28A0092B-C50C-407E-A947-70E740481C1C}">
+                <a14:useLocalDpi xmlns:a14="http://schemas.microsoft.com/office/drawing/2010/main" val="0"/>
+              </a:ext>
+            </a:extLst>
+          </a:blip>
+          <a:srcRect/>
+          <a:stretch>
+            <a:fillRect/>
+          </a:stretch>
+        </p:blipFill>
+        <p:spPr bwMode="auto">
+          <a:xfrm>
+            <a:off x="5662422" y="469646"/>
+            <a:ext cx="2921508" cy="2921508"/>
+          </a:xfrm>
+          <a:prstGeom prst="rect">
+            <a:avLst/>
+          </a:prstGeom>
+          <a:noFill/>
+          <a:extLst>
+            <a:ext uri="{909E8E84-426E-40DD-AFC4-6F175D3DCCD1}">
+              <a14:hiddenFill xmlns:a14="http://schemas.microsoft.com/office/drawing/2010/main">
+                <a:solidFill>
+                  <a:srgbClr val="FFFFFF"/>
+                </a:solidFill>
+              </a14:hiddenFill>
+            </a:ext>
+          </a:extLst>
+        </p:spPr>
+      </p:pic>
+      <p:pic>
+        <p:nvPicPr>
+          <p:cNvPr id="5" name="Picture 4">
+            <a:extLst>
+              <a:ext uri="{FF2B5EF4-FFF2-40B4-BE49-F238E27FC236}">
+                <a16:creationId xmlns:a16="http://schemas.microsoft.com/office/drawing/2014/main" id="{9CD19FE5-FB36-4E5A-A4C7-C6971241D284}"/>
+              </a:ext>
+            </a:extLst>
+          </p:cNvPr>
+          <p:cNvPicPr>
+            <a:picLocks noChangeAspect="1"/>
+          </p:cNvPicPr>
+          <p:nvPr/>
+        </p:nvPicPr>
+        <p:blipFill>
+          <a:blip r:embed="rId3"/>
+          <a:stretch>
+            <a:fillRect/>
+          </a:stretch>
+        </p:blipFill>
+        <p:spPr>
+          <a:xfrm>
+            <a:off x="5728273" y="3687193"/>
+            <a:ext cx="2855657" cy="2855657"/>
+          </a:xfrm>
+          <a:prstGeom prst="rect">
+            <a:avLst/>
+          </a:prstGeom>
+        </p:spPr>
+      </p:pic>
+      <p:pic>
+        <p:nvPicPr>
+          <p:cNvPr id="2052" name="Picture 4" descr="Recharge Please - Play Recharge Please Game Online">
+            <a:extLst>
+              <a:ext uri="{FF2B5EF4-FFF2-40B4-BE49-F238E27FC236}">
+                <a16:creationId xmlns:a16="http://schemas.microsoft.com/office/drawing/2014/main" id="{C5C7227C-D862-4994-881E-DB10D72E9C04}"/>
+              </a:ext>
+            </a:extLst>
+          </p:cNvPr>
+          <p:cNvPicPr>
+            <a:picLocks noChangeAspect="1" noChangeArrowheads="1"/>
+          </p:cNvPicPr>
+          <p:nvPr/>
+        </p:nvPicPr>
+        <p:blipFill>
+          <a:blip r:embed="rId4">
+            <a:extLst>
+              <a:ext uri="{28A0092B-C50C-407E-A947-70E740481C1C}">
+                <a14:useLocalDpi xmlns:a14="http://schemas.microsoft.com/office/drawing/2010/main" val="0"/>
+              </a:ext>
+            </a:extLst>
+          </a:blip>
+          <a:srcRect/>
+          <a:stretch>
+            <a:fillRect/>
+          </a:stretch>
+        </p:blipFill>
+        <p:spPr bwMode="auto">
+          <a:xfrm>
+            <a:off x="9368028" y="2549652"/>
+            <a:ext cx="1905000" cy="1905000"/>
+          </a:xfrm>
+          <a:prstGeom prst="rect">
+            <a:avLst/>
+          </a:prstGeom>
+          <a:noFill/>
+          <a:extLst>
+            <a:ext uri="{909E8E84-426E-40DD-AFC4-6F175D3DCCD1}">
+              <a14:hiddenFill xmlns:a14="http://schemas.microsoft.com/office/drawing/2010/main">
+                <a:solidFill>
+                  <a:srgbClr val="FFFFFF"/>
+                </a:solidFill>
+              </a14:hiddenFill>
+            </a:ext>
+          </a:extLst>
+        </p:spPr>
+      </p:pic>
+    </p:spTree>
+    <p:extLst>
+      <p:ext uri="{BB962C8B-B14F-4D97-AF65-F5344CB8AC3E}">
+        <p14:creationId xmlns:p14="http://schemas.microsoft.com/office/powerpoint/2010/main" val="1318885266"/>
+      </p:ext>
+    </p:extLst>
+  </p:cSld>
+  <p:clrMapOvr>
+    <a:masterClrMapping/>
+  </p:clrMapOvr>
+</p:sld>
+</file>
+
+<file path=ppt/slides/slide5.xml><?xml version="1.0" encoding="utf-8"?>
+<p:sld xmlns:a="http://schemas.openxmlformats.org/drawingml/2006/main" xmlns:r="http://schemas.openxmlformats.org/officeDocument/2006/relationships" xmlns:p="http://schemas.openxmlformats.org/presentationml/2006/main">
+  <p:cSld>
+    <p:bg>
+      <p:bgPr>
+        <a:solidFill>
+          <a:schemeClr val="bg2"/>
+        </a:solidFill>
+        <a:effectLst/>
+      </p:bgPr>
+    </p:bg>
+    <p:spTree>
+      <p:nvGrpSpPr>
+        <p:cNvPr id="1" name=""/>
+        <p:cNvGrpSpPr/>
+        <p:nvPr/>
+      </p:nvGrpSpPr>
+      <p:grpSpPr>
+        <a:xfrm>
+          <a:off x="0" y="0"/>
+          <a:ext cx="0" cy="0"/>
+          <a:chOff x="0" y="0"/>
+          <a:chExt cx="0" cy="0"/>
+        </a:xfrm>
+      </p:grpSpPr>
+      <p:sp>
+        <p:nvSpPr>
+          <p:cNvPr id="2" name="Title 1">
+            <a:extLst>
+              <a:ext uri="{FF2B5EF4-FFF2-40B4-BE49-F238E27FC236}">
+                <a16:creationId xmlns:a16="http://schemas.microsoft.com/office/drawing/2014/main" id="{E4F61BEF-9EB6-4477-A1E3-4408E57A5903}"/>
+              </a:ext>
+            </a:extLst>
+          </p:cNvPr>
+          <p:cNvSpPr>
+            <a:spLocks noGrp="1"/>
+          </p:cNvSpPr>
+          <p:nvPr>
+            <p:ph type="title"/>
+          </p:nvPr>
+        </p:nvSpPr>
+        <p:spPr>
+          <a:xfrm>
+            <a:off x="5536734" y="609600"/>
+            <a:ext cx="3737268" cy="1320800"/>
+          </a:xfrm>
+        </p:spPr>
+        <p:txBody>
+          <a:bodyPr>
+            <a:normAutofit/>
+          </a:bodyPr>
+          <a:lstStyle/>
+          <a:p>
+            <a:r>
+              <a:rPr lang="en-US" dirty="0">
+                <a:ea typeface="+mj-lt"/>
+                <a:cs typeface="+mj-lt"/>
+              </a:rPr>
+              <a:t>30 second Game Play:</a:t>
+            </a:r>
+            <a:endParaRPr lang="en-US" dirty="0"/>
+          </a:p>
+        </p:txBody>
+      </p:sp>
+      <p:sp>
+        <p:nvSpPr>
+          <p:cNvPr id="3" name="Content Placeholder 2">
+            <a:extLst>
+              <a:ext uri="{FF2B5EF4-FFF2-40B4-BE49-F238E27FC236}">
+                <a16:creationId xmlns:a16="http://schemas.microsoft.com/office/drawing/2014/main" id="{7001E5FA-294B-4F31-B057-4615C20CE829}"/>
+              </a:ext>
+            </a:extLst>
+          </p:cNvPr>
+          <p:cNvSpPr>
+            <a:spLocks noGrp="1"/>
+          </p:cNvSpPr>
+          <p:nvPr>
+            <p:ph idx="1"/>
+          </p:nvPr>
+        </p:nvSpPr>
+        <p:spPr>
+          <a:xfrm>
+            <a:off x="5209563" y="2160589"/>
+            <a:ext cx="4064439" cy="3880773"/>
+          </a:xfrm>
+        </p:spPr>
+        <p:txBody>
+          <a:bodyPr vert="horz" lIns="91440" tIns="45720" rIns="91440" bIns="45720" rtlCol="0">
+            <a:normAutofit/>
+          </a:bodyPr>
+          <a:lstStyle/>
+          <a:p>
+            <a:pPr>
+              <a:lnSpc>
+                <a:spcPct val="90000"/>
+              </a:lnSpc>
+            </a:pPr>
+            <a:r>
+              <a:rPr lang="en-US" sz="1500">
+                <a:ea typeface="+mn-lt"/>
+                <a:cs typeface="+mn-lt"/>
+              </a:rPr>
+              <a:t>game consists of a frog on a lily pad catching balls of certain </a:t>
+            </a:r>
+            <a:r>
+              <a:rPr lang="en-US" sz="1500" err="1">
+                <a:ea typeface="+mn-lt"/>
+                <a:cs typeface="+mn-lt"/>
+              </a:rPr>
+              <a:t>coloured</a:t>
+            </a:r>
+            <a:r>
+              <a:rPr lang="en-US" sz="1500">
+                <a:ea typeface="+mn-lt"/>
+                <a:cs typeface="+mn-lt"/>
+              </a:rPr>
+              <a:t> yarns to create a </a:t>
+            </a:r>
+            <a:endParaRPr lang="en-US" sz="1500"/>
+          </a:p>
+          <a:p>
+            <a:pPr>
+              <a:lnSpc>
+                <a:spcPct val="90000"/>
+              </a:lnSpc>
+            </a:pPr>
+            <a:r>
+              <a:rPr lang="en-US" sz="1500" err="1">
+                <a:ea typeface="+mn-lt"/>
+                <a:cs typeface="+mn-lt"/>
+              </a:rPr>
+              <a:t>knittied</a:t>
+            </a:r>
+            <a:r>
+              <a:rPr lang="en-US" sz="1500">
+                <a:ea typeface="+mn-lt"/>
+                <a:cs typeface="+mn-lt"/>
+              </a:rPr>
+              <a:t> sweater while trying to collect a certain </a:t>
+            </a:r>
+            <a:r>
+              <a:rPr lang="en-US" sz="1500" err="1">
+                <a:ea typeface="+mn-lt"/>
+                <a:cs typeface="+mn-lt"/>
+              </a:rPr>
+              <a:t>colour</a:t>
+            </a:r>
+            <a:r>
+              <a:rPr lang="en-US" sz="1500">
+                <a:ea typeface="+mn-lt"/>
+                <a:cs typeface="+mn-lt"/>
+              </a:rPr>
+              <a:t> of yarn you must push "sponge" (the frog) </a:t>
+            </a:r>
+            <a:endParaRPr lang="en-US" sz="1500"/>
+          </a:p>
+          <a:p>
+            <a:pPr>
+              <a:lnSpc>
+                <a:spcPct val="90000"/>
+              </a:lnSpc>
+            </a:pPr>
+            <a:r>
+              <a:rPr lang="en-US" sz="1500">
+                <a:ea typeface="+mn-lt"/>
+                <a:cs typeface="+mn-lt"/>
+              </a:rPr>
+              <a:t>away from getting hit with sowing </a:t>
+            </a:r>
+            <a:r>
+              <a:rPr lang="en-US" sz="1500" err="1">
+                <a:ea typeface="+mn-lt"/>
+                <a:cs typeface="+mn-lt"/>
+              </a:rPr>
+              <a:t>needles.You</a:t>
+            </a:r>
+            <a:r>
+              <a:rPr lang="en-US" sz="1500">
+                <a:ea typeface="+mn-lt"/>
+                <a:cs typeface="+mn-lt"/>
+              </a:rPr>
+              <a:t> have certain time to collect the yarn to knit your jumper.</a:t>
+            </a:r>
+            <a:endParaRPr lang="en-US" sz="1500"/>
+          </a:p>
+          <a:p>
+            <a:pPr>
+              <a:lnSpc>
+                <a:spcPct val="90000"/>
+              </a:lnSpc>
+            </a:pPr>
+            <a:r>
+              <a:rPr lang="en-US" sz="1500">
+                <a:ea typeface="+mn-lt"/>
+                <a:cs typeface="+mn-lt"/>
+              </a:rPr>
+              <a:t>Once you have collected all of you yarn and </a:t>
+            </a:r>
+            <a:r>
+              <a:rPr lang="en-US" sz="1500" err="1">
+                <a:ea typeface="+mn-lt"/>
+                <a:cs typeface="+mn-lt"/>
+              </a:rPr>
+              <a:t>havent</a:t>
+            </a:r>
+            <a:r>
+              <a:rPr lang="en-US" sz="1500">
+                <a:ea typeface="+mn-lt"/>
+                <a:cs typeface="+mn-lt"/>
+              </a:rPr>
+              <a:t> died from getting hit with needles you can see your jumper </a:t>
+            </a:r>
+            <a:endParaRPr lang="en-US" sz="1500"/>
+          </a:p>
+          <a:p>
+            <a:pPr>
+              <a:lnSpc>
+                <a:spcPct val="90000"/>
+              </a:lnSpc>
+            </a:pPr>
+            <a:r>
+              <a:rPr lang="en-US" sz="1500">
+                <a:ea typeface="+mn-lt"/>
+                <a:cs typeface="+mn-lt"/>
+              </a:rPr>
+              <a:t>on sponge with all colors of yarn collected on the game.</a:t>
+            </a:r>
+            <a:endParaRPr lang="en-US" sz="1500"/>
+          </a:p>
+        </p:txBody>
+      </p:sp>
+      <p:pic>
+        <p:nvPicPr>
+          <p:cNvPr id="4" name="Picture 4" descr="A picture containing clothing, fabric&#10;&#10;Description automatically generated">
+            <a:extLst>
+              <a:ext uri="{FF2B5EF4-FFF2-40B4-BE49-F238E27FC236}">
+                <a16:creationId xmlns:a16="http://schemas.microsoft.com/office/drawing/2014/main" id="{06F92C37-BBBA-492E-90C3-C60534467F67}"/>
+              </a:ext>
+            </a:extLst>
+          </p:cNvPr>
+          <p:cNvPicPr>
+            <a:picLocks noChangeAspect="1"/>
+          </p:cNvPicPr>
+          <p:nvPr/>
+        </p:nvPicPr>
+        <p:blipFill rotWithShape="1">
+          <a:blip r:embed="rId2"/>
+          <a:srcRect l="12576" r="8758"/>
+          <a:stretch/>
+        </p:blipFill>
+        <p:spPr>
+          <a:xfrm>
+            <a:off x="20" y="-1"/>
+            <a:ext cx="5394940" cy="6858001"/>
+          </a:xfrm>
+          <a:custGeom>
+            <a:avLst/>
+            <a:gdLst/>
+            <a:ahLst/>
+            <a:cxnLst/>
+            <a:rect l="l" t="t" r="r" b="b"/>
+            <a:pathLst>
+              <a:path w="5394960" h="6858000">
+                <a:moveTo>
+                  <a:pt x="842596" y="0"/>
+                </a:moveTo>
+                <a:lnTo>
+                  <a:pt x="5394960" y="0"/>
+                </a:lnTo>
+                <a:lnTo>
+                  <a:pt x="5394960" y="21851"/>
+                </a:lnTo>
+                <a:lnTo>
+                  <a:pt x="4365943" y="6858000"/>
+                </a:lnTo>
+                <a:lnTo>
+                  <a:pt x="0" y="6858000"/>
+                </a:lnTo>
+                <a:lnTo>
+                  <a:pt x="0" y="5666154"/>
+                </a:lnTo>
+                <a:close/>
+              </a:path>
+            </a:pathLst>
+          </a:custGeom>
+        </p:spPr>
+      </p:pic>
+      <p:sp>
+        <p:nvSpPr>
+          <p:cNvPr id="9" name="Isosceles Triangle 8">
+            <a:extLst>
+              <a:ext uri="{FF2B5EF4-FFF2-40B4-BE49-F238E27FC236}">
+                <a16:creationId xmlns:a16="http://schemas.microsoft.com/office/drawing/2014/main" id="{3BCB5F6A-9EB0-40B0-9D13-3023E9A20508}"/>
+              </a:ext>
+              <a:ext uri="{C183D7F6-B498-43B3-948B-1728B52AA6E4}">
+                <adec:decorative xmlns:adec="http://schemas.microsoft.com/office/drawing/2017/decorative" val="1"/>
+              </a:ext>
+            </a:extLst>
+          </p:cNvPr>
+          <p:cNvSpPr>
+            <a:spLocks noGrp="1" noRot="1" noChangeAspect="1" noMove="1" noResize="1" noEditPoints="1" noAdjustHandles="1" noChangeArrowheads="1" noChangeShapeType="1" noTextEdit="1"/>
+          </p:cNvSpPr>
+          <p:nvPr>
+            <p:extLst>
+              <p:ext uri="{386F3935-93C4-4BCD-93E2-E3B085C9AB24}">
+                <p16:designElem xmlns:p16="http://schemas.microsoft.com/office/powerpoint/2015/main" val="1"/>
+              </p:ext>
+            </p:extLst>
+          </p:nvPr>
+        </p:nvSpPr>
+        <p:spPr>
+          <a:xfrm rot="10800000">
+            <a:off x="0" y="0"/>
+            <a:ext cx="842596" cy="5666154"/>
+          </a:xfrm>
+          <a:prstGeom prst="triangle">
+            <a:avLst>
+              <a:gd name="adj" fmla="val 100000"/>
+            </a:avLst>
+          </a:prstGeom>
+          <a:solidFill>
+            <a:schemeClr val="accent1"/>
+          </a:solidFill>
+          <a:ln>
+            <a:noFill/>
+          </a:ln>
+          <a:effectLst/>
+        </p:spPr>
+        <p:style>
+          <a:lnRef idx="1">
+            <a:schemeClr val="accent1"/>
+          </a:lnRef>
+          <a:fillRef idx="3">
+            <a:schemeClr val="accent1"/>
+          </a:fillRef>
+          <a:effectRef idx="2">
+            <a:schemeClr val="accent1"/>
+          </a:effectRef>
+          <a:fontRef idx="minor">
+            <a:schemeClr val="lt1"/>
+          </a:fontRef>
+        </p:style>
+      </p:sp>
+    </p:spTree>
+    <p:extLst>
+      <p:ext uri="{BB962C8B-B14F-4D97-AF65-F5344CB8AC3E}">
+        <p14:creationId xmlns:p14="http://schemas.microsoft.com/office/powerpoint/2010/main" val="2365004020"/>
+      </p:ext>
+    </p:extLst>
+  </p:cSld>
+  <p:clrMapOvr>
+    <a:overrideClrMapping bg1="dk1" tx1="lt1" bg2="dk2" tx2="lt2" accent1="accent1" accent2="accent2" accent3="accent3" accent4="accent4" accent5="accent5" accent6="accent6" hlink="hlink" folHlink="folHlink"/>
+  </p:clrMapOvr>
+</p:sld>
+</file>
+
+<file path=ppt/slides/slide6.xml><?xml version="1.0" encoding="utf-8"?>
+<p:sld xmlns:a="http://schemas.openxmlformats.org/drawingml/2006/main" xmlns:r="http://schemas.openxmlformats.org/officeDocument/2006/relationships" xmlns:p="http://schemas.openxmlformats.org/presentationml/2006/main">
+  <p:cSld>
+    <p:bg>
+      <p:bgPr>
+        <a:solidFill>
+          <a:schemeClr val="bg1"/>
+        </a:solidFill>
+        <a:effectLst/>
+      </p:bgPr>
+    </p:bg>
+    <p:spTree>
+      <p:nvGrpSpPr>
+        <p:cNvPr id="1" name=""/>
+        <p:cNvGrpSpPr/>
+        <p:nvPr/>
+      </p:nvGrpSpPr>
+      <p:grpSpPr>
+        <a:xfrm>
+          <a:off x="0" y="0"/>
+          <a:ext cx="0" cy="0"/>
+          <a:chOff x="0" y="0"/>
+          <a:chExt cx="0" cy="0"/>
+        </a:xfrm>
+      </p:grpSpPr>
+      <p:sp>
+        <p:nvSpPr>
+          <p:cNvPr id="2" name="Title 1">
+            <a:extLst>
+              <a:ext uri="{FF2B5EF4-FFF2-40B4-BE49-F238E27FC236}">
+                <a16:creationId xmlns:a16="http://schemas.microsoft.com/office/drawing/2014/main" id="{B090BBF9-FB74-46A3-8F61-A1B885DF6D55}"/>
+              </a:ext>
+            </a:extLst>
+          </p:cNvPr>
+          <p:cNvSpPr>
+            <a:spLocks noGrp="1"/>
+          </p:cNvSpPr>
+          <p:nvPr>
+            <p:ph type="title"/>
+          </p:nvPr>
+        </p:nvSpPr>
+        <p:spPr>
+          <a:xfrm>
+            <a:off x="5536734" y="609600"/>
+            <a:ext cx="3737268" cy="1320800"/>
+          </a:xfrm>
+        </p:spPr>
+        <p:txBody>
+          <a:bodyPr>
+            <a:normAutofit/>
+          </a:bodyPr>
+          <a:lstStyle/>
+          <a:p>
+            <a:r>
+              <a:rPr lang="en-US" dirty="0">
+                <a:ea typeface="+mj-lt"/>
+                <a:cs typeface="+mj-lt"/>
+              </a:rPr>
+              <a:t>Market Analysis:</a:t>
+            </a:r>
+            <a:endParaRPr lang="en-US" dirty="0"/>
+          </a:p>
+        </p:txBody>
+      </p:sp>
+      <p:sp>
+        <p:nvSpPr>
+          <p:cNvPr id="3" name="Content Placeholder 2">
+            <a:extLst>
+              <a:ext uri="{FF2B5EF4-FFF2-40B4-BE49-F238E27FC236}">
+                <a16:creationId xmlns:a16="http://schemas.microsoft.com/office/drawing/2014/main" id="{E5C50C31-6EB7-41BE-AD9B-997A64FF47D4}"/>
+              </a:ext>
+            </a:extLst>
+          </p:cNvPr>
+          <p:cNvSpPr>
+            <a:spLocks noGrp="1"/>
+          </p:cNvSpPr>
+          <p:nvPr>
+            <p:ph idx="1"/>
+          </p:nvPr>
+        </p:nvSpPr>
+        <p:spPr>
+          <a:xfrm>
+            <a:off x="5209563" y="2160589"/>
+            <a:ext cx="4064439" cy="3880773"/>
+          </a:xfrm>
+        </p:spPr>
+        <p:txBody>
+          <a:bodyPr vert="horz" lIns="91440" tIns="45720" rIns="91440" bIns="45720" rtlCol="0">
+            <a:normAutofit/>
+          </a:bodyPr>
+          <a:lstStyle/>
+          <a:p>
+            <a:r>
+              <a:rPr lang="en-US" dirty="0">
+                <a:ea typeface="+mn-lt"/>
+                <a:cs typeface="+mn-lt"/>
+              </a:rPr>
+              <a:t>expected </a:t>
+            </a:r>
+            <a:r>
+              <a:rPr lang="en-US" dirty="0" err="1">
+                <a:ea typeface="+mn-lt"/>
+                <a:cs typeface="+mn-lt"/>
+              </a:rPr>
+              <a:t>addiunce</a:t>
+            </a:r>
+            <a:r>
+              <a:rPr lang="en-US" dirty="0">
+                <a:ea typeface="+mn-lt"/>
+                <a:cs typeface="+mn-lt"/>
+              </a:rPr>
+              <a:t> of the game is children under the age of 16 and older </a:t>
+            </a:r>
+            <a:r>
+              <a:rPr lang="en-US" dirty="0" err="1">
+                <a:ea typeface="+mn-lt"/>
+                <a:cs typeface="+mn-lt"/>
+              </a:rPr>
+              <a:t>indivduals</a:t>
+            </a:r>
+            <a:r>
+              <a:rPr lang="en-US" dirty="0">
+                <a:ea typeface="+mn-lt"/>
+                <a:cs typeface="+mn-lt"/>
+              </a:rPr>
+              <a:t> . we expect to make money from the adds on the main screen before entering game as </a:t>
+            </a:r>
+            <a:endParaRPr lang="en-US"/>
+          </a:p>
+          <a:p>
+            <a:r>
+              <a:rPr lang="en-US" dirty="0">
+                <a:ea typeface="+mn-lt"/>
+                <a:cs typeface="+mn-lt"/>
+              </a:rPr>
+              <a:t>people buying the coins as in-app purchases. Expected money made 50,000.</a:t>
+            </a:r>
+            <a:endParaRPr lang="en-US" dirty="0"/>
+          </a:p>
+        </p:txBody>
+      </p:sp>
+      <p:pic>
+        <p:nvPicPr>
+          <p:cNvPr id="4" name="Picture 4">
+            <a:extLst>
+              <a:ext uri="{FF2B5EF4-FFF2-40B4-BE49-F238E27FC236}">
+                <a16:creationId xmlns:a16="http://schemas.microsoft.com/office/drawing/2014/main" id="{97B3928A-7D95-4757-8510-58C08679F09E}"/>
+              </a:ext>
+            </a:extLst>
+          </p:cNvPr>
+          <p:cNvPicPr>
+            <a:picLocks noChangeAspect="1"/>
+          </p:cNvPicPr>
+          <p:nvPr/>
+        </p:nvPicPr>
+        <p:blipFill rotWithShape="1">
+          <a:blip r:embed="rId2"/>
+          <a:srcRect l="24838" r="18684" b="1"/>
+          <a:stretch/>
+        </p:blipFill>
+        <p:spPr>
+          <a:xfrm>
+            <a:off x="20" y="-1"/>
+            <a:ext cx="5394940" cy="6858001"/>
+          </a:xfrm>
+          <a:custGeom>
+            <a:avLst/>
+            <a:gdLst/>
+            <a:ahLst/>
+            <a:cxnLst/>
+            <a:rect l="l" t="t" r="r" b="b"/>
+            <a:pathLst>
+              <a:path w="5394960" h="6858000">
+                <a:moveTo>
+                  <a:pt x="842596" y="0"/>
+                </a:moveTo>
+                <a:lnTo>
+                  <a:pt x="5394960" y="0"/>
+                </a:lnTo>
+                <a:lnTo>
+                  <a:pt x="5394960" y="21851"/>
+                </a:lnTo>
+                <a:lnTo>
+                  <a:pt x="4365943" y="6858000"/>
+                </a:lnTo>
+                <a:lnTo>
+                  <a:pt x="0" y="6858000"/>
+                </a:lnTo>
+                <a:lnTo>
+                  <a:pt x="0" y="5666154"/>
+                </a:lnTo>
+                <a:close/>
+              </a:path>
+            </a:pathLst>
+          </a:custGeom>
+        </p:spPr>
+      </p:pic>
+      <p:sp>
+        <p:nvSpPr>
+          <p:cNvPr id="9" name="Isosceles Triangle 8">
+            <a:extLst>
+              <a:ext uri="{FF2B5EF4-FFF2-40B4-BE49-F238E27FC236}">
+                <a16:creationId xmlns:a16="http://schemas.microsoft.com/office/drawing/2014/main" id="{3BCB5F6A-9EB0-40B0-9D13-3023E9A20508}"/>
+              </a:ext>
+              <a:ext uri="{C183D7F6-B498-43B3-948B-1728B52AA6E4}">
+                <adec:decorative xmlns:adec="http://schemas.microsoft.com/office/drawing/2017/decorative" val="1"/>
+              </a:ext>
+            </a:extLst>
+          </p:cNvPr>
+          <p:cNvSpPr>
+            <a:spLocks noGrp="1" noRot="1" noChangeAspect="1" noMove="1" noResize="1" noEditPoints="1" noAdjustHandles="1" noChangeArrowheads="1" noChangeShapeType="1" noTextEdit="1"/>
+          </p:cNvSpPr>
+          <p:nvPr>
+            <p:extLst>
+              <p:ext uri="{386F3935-93C4-4BCD-93E2-E3B085C9AB24}">
+                <p16:designElem xmlns:p16="http://schemas.microsoft.com/office/powerpoint/2015/main" val="1"/>
+              </p:ext>
+            </p:extLst>
+          </p:nvPr>
+        </p:nvSpPr>
+        <p:spPr>
+          <a:xfrm rot="10800000">
+            <a:off x="0" y="0"/>
+            <a:ext cx="842596" cy="5666154"/>
+          </a:xfrm>
+          <a:prstGeom prst="triangle">
+            <a:avLst>
+              <a:gd name="adj" fmla="val 100000"/>
+            </a:avLst>
+          </a:prstGeom>
+          <a:solidFill>
+            <a:schemeClr val="accent1"/>
+          </a:solidFill>
+          <a:ln>
+            <a:noFill/>
+          </a:ln>
+          <a:effectLst/>
+        </p:spPr>
+        <p:style>
+          <a:lnRef idx="1">
+            <a:schemeClr val="accent1"/>
+          </a:lnRef>
+          <a:fillRef idx="3">
+            <a:schemeClr val="accent1"/>
+          </a:fillRef>
+          <a:effectRef idx="2">
+            <a:schemeClr val="accent1"/>
+          </a:effectRef>
+          <a:fontRef idx="minor">
+            <a:schemeClr val="lt1"/>
+          </a:fontRef>
+        </p:style>
+      </p:sp>
+    </p:spTree>
+    <p:extLst>
+      <p:ext uri="{BB962C8B-B14F-4D97-AF65-F5344CB8AC3E}">
+        <p14:creationId xmlns:p14="http://schemas.microsoft.com/office/powerpoint/2010/main" val="244074010"/>
+      </p:ext>
+    </p:extLst>
+  </p:cSld>
+  <p:clrMapOvr>
+    <a:masterClrMapping/>
+  </p:clrMapOvr>
+</p:sld>
+</file>
+
+<file path=ppt/slides/slide7.xml><?xml version="1.0" encoding="utf-8"?>
+<p:sld xmlns:a="http://schemas.openxmlformats.org/drawingml/2006/main" xmlns:r="http://schemas.openxmlformats.org/officeDocument/2006/relationships" xmlns:p="http://schemas.openxmlformats.org/presentationml/2006/main">
+  <p:cSld>
+    <p:bg>
+      <p:bgPr>
+        <a:solidFill>
+          <a:schemeClr val="bg1"/>
+        </a:solidFill>
+        <a:effectLst/>
+      </p:bgPr>
+    </p:bg>
+    <p:spTree>
+      <p:nvGrpSpPr>
+        <p:cNvPr id="1" name=""/>
+        <p:cNvGrpSpPr/>
+        <p:nvPr/>
+      </p:nvGrpSpPr>
+      <p:grpSpPr>
+        <a:xfrm>
+          <a:off x="0" y="0"/>
+          <a:ext cx="0" cy="0"/>
+          <a:chOff x="0" y="0"/>
+          <a:chExt cx="0" cy="0"/>
+        </a:xfrm>
+      </p:grpSpPr>
+      <p:pic>
+        <p:nvPicPr>
+          <p:cNvPr id="4" name="Picture 4" descr="A picture containing wall, indoor&#10;&#10;Description automatically generated">
+            <a:extLst>
+              <a:ext uri="{FF2B5EF4-FFF2-40B4-BE49-F238E27FC236}">
+                <a16:creationId xmlns:a16="http://schemas.microsoft.com/office/drawing/2014/main" id="{C1FE3329-10AC-4710-9208-A1F8A83DDAA3}"/>
+              </a:ext>
+            </a:extLst>
+          </p:cNvPr>
+          <p:cNvPicPr>
+            <a:picLocks noChangeAspect="1"/>
+          </p:cNvPicPr>
+          <p:nvPr/>
+        </p:nvPicPr>
+        <p:blipFill rotWithShape="1">
+          <a:blip r:embed="rId2"/>
+          <a:srcRect l="1404" r="9358" b="-1"/>
+          <a:stretch/>
+        </p:blipFill>
+        <p:spPr>
+          <a:xfrm>
+            <a:off x="4269854" y="-1"/>
+            <a:ext cx="7922146" cy="6858001"/>
+          </a:xfrm>
+          <a:custGeom>
+            <a:avLst/>
+            <a:gdLst/>
+            <a:ahLst/>
+            <a:cxnLst/>
+            <a:rect l="l" t="t" r="r" b="b"/>
+            <a:pathLst>
+              <a:path w="7922146" h="6858001">
+                <a:moveTo>
+                  <a:pt x="379987" y="0"/>
+                </a:moveTo>
+                <a:lnTo>
+                  <a:pt x="5304971" y="0"/>
+                </a:lnTo>
+                <a:lnTo>
+                  <a:pt x="7065281" y="0"/>
+                </a:lnTo>
+                <a:lnTo>
+                  <a:pt x="7397540" y="0"/>
+                </a:lnTo>
+                <a:lnTo>
+                  <a:pt x="7397540" y="1"/>
+                </a:lnTo>
+                <a:lnTo>
+                  <a:pt x="7922146" y="1"/>
+                </a:lnTo>
+                <a:lnTo>
+                  <a:pt x="7922146" y="6858001"/>
+                </a:lnTo>
+                <a:lnTo>
+                  <a:pt x="7065281" y="6858001"/>
+                </a:lnTo>
+                <a:lnTo>
+                  <a:pt x="7065281" y="6858000"/>
+                </a:lnTo>
+                <a:lnTo>
+                  <a:pt x="5932989" y="6858000"/>
+                </a:lnTo>
+                <a:lnTo>
+                  <a:pt x="5932989" y="6858001"/>
+                </a:lnTo>
+                <a:lnTo>
+                  <a:pt x="27809" y="6858001"/>
+                </a:lnTo>
+                <a:lnTo>
+                  <a:pt x="1803228" y="4521201"/>
+                </a:lnTo>
+                <a:close/>
+                <a:moveTo>
+                  <a:pt x="0" y="0"/>
+                </a:moveTo>
+                <a:lnTo>
+                  <a:pt x="379987" y="0"/>
+                </a:lnTo>
+                <a:lnTo>
+                  <a:pt x="0" y="407"/>
+                </a:lnTo>
+                <a:close/>
+              </a:path>
+            </a:pathLst>
+          </a:custGeom>
+        </p:spPr>
+      </p:pic>
+      <p:sp>
+        <p:nvSpPr>
+          <p:cNvPr id="2" name="Title 1">
+            <a:extLst>
+              <a:ext uri="{FF2B5EF4-FFF2-40B4-BE49-F238E27FC236}">
+                <a16:creationId xmlns:a16="http://schemas.microsoft.com/office/drawing/2014/main" id="{92A5F882-1704-41B4-AAA7-BE6888782A97}"/>
+              </a:ext>
+            </a:extLst>
+          </p:cNvPr>
+          <p:cNvSpPr>
+            <a:spLocks noGrp="1"/>
+          </p:cNvSpPr>
+          <p:nvPr>
+            <p:ph type="title"/>
+          </p:nvPr>
+        </p:nvSpPr>
+        <p:spPr>
+          <a:xfrm>
+            <a:off x="677333" y="609600"/>
+            <a:ext cx="3851123" cy="1320800"/>
+          </a:xfrm>
+        </p:spPr>
+        <p:txBody>
+          <a:bodyPr>
+            <a:normAutofit/>
+          </a:bodyPr>
+          <a:lstStyle/>
+          <a:p>
+            <a:r>
+              <a:rPr lang="en-US" dirty="0">
+                <a:ea typeface="+mj-lt"/>
+                <a:cs typeface="+mj-lt"/>
+              </a:rPr>
+              <a:t>Features:</a:t>
+            </a:r>
+            <a:endParaRPr lang="en-US" dirty="0"/>
+          </a:p>
+        </p:txBody>
+      </p:sp>
+      <p:sp>
+        <p:nvSpPr>
+          <p:cNvPr id="3" name="Content Placeholder 2">
+            <a:extLst>
+              <a:ext uri="{FF2B5EF4-FFF2-40B4-BE49-F238E27FC236}">
+                <a16:creationId xmlns:a16="http://schemas.microsoft.com/office/drawing/2014/main" id="{1A06E35A-3CC7-474F-8E61-B5D58EA3FC07}"/>
+              </a:ext>
+            </a:extLst>
+          </p:cNvPr>
+          <p:cNvSpPr>
+            <a:spLocks noGrp="1"/>
+          </p:cNvSpPr>
+          <p:nvPr>
+            <p:ph idx="1"/>
+          </p:nvPr>
+        </p:nvSpPr>
+        <p:spPr>
+          <a:xfrm>
+            <a:off x="677334" y="2160589"/>
+            <a:ext cx="3851122" cy="3880773"/>
+          </a:xfrm>
+        </p:spPr>
+        <p:txBody>
+          <a:bodyPr vert="horz" lIns="91440" tIns="45720" rIns="91440" bIns="45720" rtlCol="0">
+            <a:normAutofit/>
+          </a:bodyPr>
+          <a:lstStyle/>
+          <a:p>
+            <a:r>
+              <a:rPr lang="en-US" sz="1700">
+                <a:ea typeface="+mn-lt"/>
+                <a:cs typeface="+mn-lt"/>
+              </a:rPr>
+              <a:t>Every 20 minute you get one life but can only get five at one time.</a:t>
+            </a:r>
+            <a:endParaRPr lang="en-US" sz="1700"/>
+          </a:p>
+          <a:p>
+            <a:r>
+              <a:rPr lang="en-US" sz="1700">
+                <a:ea typeface="+mn-lt"/>
+                <a:cs typeface="+mn-lt"/>
+              </a:rPr>
+              <a:t>every level you </a:t>
+            </a:r>
+            <a:r>
+              <a:rPr lang="en-US" sz="1700" err="1">
+                <a:ea typeface="+mn-lt"/>
+                <a:cs typeface="+mn-lt"/>
+              </a:rPr>
+              <a:t>sussesfuly</a:t>
+            </a:r>
+            <a:r>
+              <a:rPr lang="en-US" sz="1700">
+                <a:ea typeface="+mn-lt"/>
+                <a:cs typeface="+mn-lt"/>
+              </a:rPr>
+              <a:t> win you get coins you can buy others sweeter that the have made after every level.</a:t>
+            </a:r>
+            <a:endParaRPr lang="en-US" sz="1700"/>
+          </a:p>
+          <a:p>
+            <a:r>
+              <a:rPr lang="en-US" sz="1700">
+                <a:ea typeface="+mn-lt"/>
+                <a:cs typeface="+mn-lt"/>
+              </a:rPr>
+              <a:t>when you have coin you can also purchase other yarns which create different patterns with in the jumpers you knit.</a:t>
+            </a:r>
+            <a:endParaRPr lang="en-US" sz="1700"/>
+          </a:p>
+          <a:p>
+            <a:r>
+              <a:rPr lang="en-US" sz="1700">
+                <a:ea typeface="+mn-lt"/>
+                <a:cs typeface="+mn-lt"/>
+              </a:rPr>
+              <a:t>you can also save you frog sponges life in a game if you have ten coins.</a:t>
+            </a:r>
+            <a:endParaRPr lang="en-US" sz="1700"/>
+          </a:p>
+          <a:p>
+            <a:endParaRPr lang="en-US" sz="1700"/>
+          </a:p>
+        </p:txBody>
+      </p:sp>
+      <p:cxnSp>
+        <p:nvCxnSpPr>
+          <p:cNvPr id="9" name="Straight Connector 8">
+            <a:extLst>
+              <a:ext uri="{FF2B5EF4-FFF2-40B4-BE49-F238E27FC236}">
+                <a16:creationId xmlns:a16="http://schemas.microsoft.com/office/drawing/2014/main" id="{64FA5DFF-7FE6-4855-84E6-DFA78EE978BD}"/>
+              </a:ext>
+              <a:ext uri="{C183D7F6-B498-43B3-948B-1728B52AA6E4}">
+                <adec:decorative xmlns:adec="http://schemas.microsoft.com/office/drawing/2017/decorative" val="1"/>
+              </a:ext>
+            </a:extLst>
+          </p:cNvPr>
+          <p:cNvCxnSpPr>
+            <a:cxnSpLocks noGrp="1" noRot="1" noChangeAspect="1" noMove="1" noResize="1" noEditPoints="1" noAdjustHandles="1" noChangeArrowheads="1" noChangeShapeType="1"/>
+          </p:cNvCxnSpPr>
+          <p:nvPr>
+            <p:extLst>
+              <p:ext uri="{386F3935-93C4-4BCD-93E2-E3B085C9AB24}">
+                <p16:designElem xmlns:p16="http://schemas.microsoft.com/office/powerpoint/2015/main" val="1"/>
+              </p:ext>
+            </p:extLst>
+          </p:nvPr>
+        </p:nvCxnSpPr>
+        <p:spPr>
+          <a:xfrm>
+            <a:off x="9371012" y="0"/>
+            <a:ext cx="1219200" cy="6858000"/>
+          </a:xfrm>
+          <a:prstGeom prst="line">
+            <a:avLst/>
+          </a:prstGeom>
+          <a:ln w="9525">
+            <a:solidFill>
+              <a:schemeClr val="bg1">
+                <a:lumMod val="75000"/>
+              </a:schemeClr>
+            </a:solidFill>
+          </a:ln>
+        </p:spPr>
+        <p:style>
+          <a:lnRef idx="2">
+            <a:schemeClr val="accent1"/>
+          </a:lnRef>
+          <a:fillRef idx="0">
+            <a:schemeClr val="accent1"/>
+          </a:fillRef>
+          <a:effectRef idx="1">
+            <a:schemeClr val="accent1"/>
+          </a:effectRef>
+          <a:fontRef idx="minor">
+            <a:schemeClr val="tx1"/>
+          </a:fontRef>
+        </p:style>
+      </p:cxnSp>
+      <p:cxnSp>
+        <p:nvCxnSpPr>
+          <p:cNvPr id="11" name="Straight Connector 10">
+            <a:extLst>
+              <a:ext uri="{FF2B5EF4-FFF2-40B4-BE49-F238E27FC236}">
+                <a16:creationId xmlns:a16="http://schemas.microsoft.com/office/drawing/2014/main" id="{2AFD8CBA-54A3-4363-991B-B9C631BBFA74}"/>
+              </a:ext>
+              <a:ext uri="{C183D7F6-B498-43B3-948B-1728B52AA6E4}">
+                <adec:decorative xmlns:adec="http://schemas.microsoft.com/office/drawing/2017/decorative" val="1"/>
+              </a:ext>
+            </a:extLst>
+          </p:cNvPr>
+          <p:cNvCxnSpPr>
+            <a:cxnSpLocks noGrp="1" noRot="1" noChangeAspect="1" noMove="1" noResize="1" noEditPoints="1" noAdjustHandles="1" noChangeArrowheads="1" noChangeShapeType="1"/>
+          </p:cNvCxnSpPr>
+          <p:nvPr>
+            <p:extLst>
+              <p:ext uri="{386F3935-93C4-4BCD-93E2-E3B085C9AB24}">
+                <p16:designElem xmlns:p16="http://schemas.microsoft.com/office/powerpoint/2015/main" val="1"/>
+              </p:ext>
+            </p:extLst>
+          </p:nvPr>
+        </p:nvCxnSpPr>
+        <p:spPr>
+          <a:xfrm flipH="1">
+            <a:off x="7425267" y="3681413"/>
+            <a:ext cx="4763558" cy="3176587"/>
+          </a:xfrm>
+          <a:prstGeom prst="line">
+            <a:avLst/>
+          </a:prstGeom>
+          <a:ln w="9525">
+            <a:solidFill>
+              <a:schemeClr val="bg1">
+                <a:lumMod val="85000"/>
+              </a:schemeClr>
+            </a:solidFill>
+          </a:ln>
+        </p:spPr>
+        <p:style>
+          <a:lnRef idx="2">
+            <a:schemeClr val="accent1"/>
+          </a:lnRef>
+          <a:fillRef idx="0">
+            <a:schemeClr val="accent1"/>
+          </a:fillRef>
+          <a:effectRef idx="1">
+            <a:schemeClr val="accent1"/>
+          </a:effectRef>
+          <a:fontRef idx="minor">
+            <a:schemeClr val="tx1"/>
+          </a:fontRef>
+        </p:style>
+      </p:cxnSp>
+      <p:sp>
+        <p:nvSpPr>
+          <p:cNvPr id="13" name="Rectangle 23">
+            <a:extLst>
+              <a:ext uri="{FF2B5EF4-FFF2-40B4-BE49-F238E27FC236}">
+                <a16:creationId xmlns:a16="http://schemas.microsoft.com/office/drawing/2014/main" id="{3F088236-D655-4F88-B238-E16762358025}"/>
+              </a:ext>
+              <a:ext uri="{C183D7F6-B498-43B3-948B-1728B52AA6E4}">
+                <adec:decorative xmlns:adec="http://schemas.microsoft.com/office/drawing/2017/decorative" val="1"/>
+              </a:ext>
+            </a:extLst>
+          </p:cNvPr>
+          <p:cNvSpPr>
+            <a:spLocks noGrp="1" noRot="1" noChangeAspect="1" noMove="1" noResize="1" noEditPoints="1" noAdjustHandles="1" noChangeArrowheads="1" noChangeShapeType="1" noTextEdit="1"/>
+          </p:cNvSpPr>
+          <p:nvPr>
+            <p:extLst>
+              <p:ext uri="{386F3935-93C4-4BCD-93E2-E3B085C9AB24}">
+                <p16:designElem xmlns:p16="http://schemas.microsoft.com/office/powerpoint/2015/main" val="1"/>
+              </p:ext>
+            </p:extLst>
+          </p:nvPr>
+        </p:nvSpPr>
+        <p:spPr>
+          <a:xfrm>
+            <a:off x="9181476" y="-8467"/>
+            <a:ext cx="3007349" cy="6866467"/>
+          </a:xfrm>
+          <a:custGeom>
+            <a:avLst/>
+            <a:gdLst/>
+            <a:ahLst/>
+            <a:cxnLst/>
+            <a:rect l="l" t="t" r="r" b="b"/>
+            <a:pathLst>
+              <a:path w="3007349" h="6866467">
+                <a:moveTo>
+                  <a:pt x="2045532" y="0"/>
+                </a:moveTo>
+                <a:lnTo>
+                  <a:pt x="3007349" y="0"/>
+                </a:lnTo>
+                <a:lnTo>
+                  <a:pt x="3007349" y="6866467"/>
+                </a:lnTo>
+                <a:lnTo>
+                  <a:pt x="0" y="6866467"/>
+                </a:lnTo>
+                <a:lnTo>
+                  <a:pt x="2045532" y="0"/>
+                </a:lnTo>
+                <a:close/>
+              </a:path>
+            </a:pathLst>
+          </a:custGeom>
+          <a:solidFill>
+            <a:schemeClr val="accent1">
+              <a:alpha val="30000"/>
+            </a:schemeClr>
+          </a:solidFill>
+          <a:ln>
+            <a:noFill/>
+          </a:ln>
+          <a:effectLst/>
+        </p:spPr>
+        <p:style>
+          <a:lnRef idx="1">
+            <a:schemeClr val="accent1"/>
+          </a:lnRef>
+          <a:fillRef idx="3">
+            <a:schemeClr val="accent1"/>
+          </a:fillRef>
+          <a:effectRef idx="2">
+            <a:schemeClr val="accent1"/>
+          </a:effectRef>
+          <a:fontRef idx="minor">
+            <a:schemeClr val="lt1"/>
+          </a:fontRef>
+        </p:style>
+      </p:sp>
+      <p:sp>
+        <p:nvSpPr>
+          <p:cNvPr id="15" name="Rectangle 25">
+            <a:extLst>
+              <a:ext uri="{FF2B5EF4-FFF2-40B4-BE49-F238E27FC236}">
+                <a16:creationId xmlns:a16="http://schemas.microsoft.com/office/drawing/2014/main" id="{3DAC0C92-199E-475C-9390-119A9B027276}"/>
+              </a:ext>
+              <a:ext uri="{C183D7F6-B498-43B3-948B-1728B52AA6E4}">
+                <adec:decorative xmlns:adec="http://schemas.microsoft.com/office/drawing/2017/decorative" val="1"/>
+              </a:ext>
+            </a:extLst>
+          </p:cNvPr>
+          <p:cNvSpPr>
+            <a:spLocks noGrp="1" noRot="1" noChangeAspect="1" noMove="1" noResize="1" noEditPoints="1" noAdjustHandles="1" noChangeArrowheads="1" noChangeShapeType="1" noTextEdit="1"/>
+          </p:cNvSpPr>
+          <p:nvPr>
+            <p:extLst>
+              <p:ext uri="{386F3935-93C4-4BCD-93E2-E3B085C9AB24}">
+                <p16:designElem xmlns:p16="http://schemas.microsoft.com/office/powerpoint/2015/main" val="1"/>
+              </p:ext>
+            </p:extLst>
+          </p:nvPr>
+        </p:nvSpPr>
+        <p:spPr>
+          <a:xfrm>
+            <a:off x="9603442" y="-8467"/>
+            <a:ext cx="2588558" cy="6866467"/>
+          </a:xfrm>
+          <a:custGeom>
+            <a:avLst/>
+            <a:gdLst/>
+            <a:ahLst/>
+            <a:cxnLst/>
+            <a:rect l="l" t="t" r="r" b="b"/>
+            <a:pathLst>
+              <a:path w="2573311" h="6866467">
+                <a:moveTo>
+                  <a:pt x="0" y="0"/>
+                </a:moveTo>
+                <a:lnTo>
+                  <a:pt x="2573311" y="0"/>
+                </a:lnTo>
+                <a:lnTo>
+                  <a:pt x="2573311" y="6866467"/>
+                </a:lnTo>
+                <a:lnTo>
+                  <a:pt x="1202336" y="6866467"/>
+                </a:lnTo>
+                <a:lnTo>
+                  <a:pt x="0" y="0"/>
+                </a:lnTo>
+                <a:close/>
+              </a:path>
+            </a:pathLst>
+          </a:custGeom>
+          <a:solidFill>
+            <a:schemeClr val="accent1">
+              <a:alpha val="20000"/>
+            </a:schemeClr>
+          </a:solidFill>
+          <a:ln>
+            <a:noFill/>
+          </a:ln>
+          <a:effectLst/>
+        </p:spPr>
+        <p:style>
+          <a:lnRef idx="1">
+            <a:schemeClr val="accent1"/>
+          </a:lnRef>
+          <a:fillRef idx="3">
+            <a:schemeClr val="accent1"/>
+          </a:fillRef>
+          <a:effectRef idx="2">
+            <a:schemeClr val="accent1"/>
+          </a:effectRef>
+          <a:fontRef idx="minor">
+            <a:schemeClr val="lt1"/>
+          </a:fontRef>
+        </p:style>
+      </p:sp>
+      <p:sp>
+        <p:nvSpPr>
+          <p:cNvPr id="17" name="Isosceles Triangle 24">
+            <a:extLst>
+              <a:ext uri="{FF2B5EF4-FFF2-40B4-BE49-F238E27FC236}">
+                <a16:creationId xmlns:a16="http://schemas.microsoft.com/office/drawing/2014/main" id="{C4CFB339-0ED8-4FE2-9EF1-6D1375B8499B}"/>
+              </a:ext>
+              <a:ext uri="{C183D7F6-B498-43B3-948B-1728B52AA6E4}">
+                <adec:decorative xmlns:adec="http://schemas.microsoft.com/office/drawing/2017/decorative" val="1"/>
+              </a:ext>
+            </a:extLst>
+          </p:cNvPr>
+          <p:cNvSpPr>
+            <a:spLocks noGrp="1" noRot="1" noChangeAspect="1" noMove="1" noResize="1" noEditPoints="1" noAdjustHandles="1" noChangeArrowheads="1" noChangeShapeType="1" noTextEdit="1"/>
+          </p:cNvSpPr>
+          <p:nvPr>
+            <p:extLst>
+              <p:ext uri="{386F3935-93C4-4BCD-93E2-E3B085C9AB24}">
+                <p16:designElem xmlns:p16="http://schemas.microsoft.com/office/powerpoint/2015/main" val="1"/>
+              </p:ext>
+            </p:extLst>
+          </p:nvPr>
+        </p:nvSpPr>
+        <p:spPr>
+          <a:xfrm>
+            <a:off x="8932333" y="3048000"/>
+            <a:ext cx="3259667" cy="3810000"/>
+          </a:xfrm>
+          <a:prstGeom prst="triangle">
+            <a:avLst>
+              <a:gd name="adj" fmla="val 100000"/>
+            </a:avLst>
+          </a:prstGeom>
+          <a:solidFill>
+            <a:schemeClr val="accent2">
+              <a:alpha val="72000"/>
+            </a:schemeClr>
+          </a:solidFill>
+          <a:ln>
+            <a:noFill/>
+          </a:ln>
+          <a:effectLst/>
+        </p:spPr>
+        <p:style>
+          <a:lnRef idx="1">
+            <a:schemeClr val="accent1"/>
+          </a:lnRef>
+          <a:fillRef idx="3">
+            <a:schemeClr val="accent1"/>
+          </a:fillRef>
+          <a:effectRef idx="2">
+            <a:schemeClr val="accent1"/>
+          </a:effectRef>
+          <a:fontRef idx="minor">
+            <a:schemeClr val="lt1"/>
+          </a:fontRef>
+        </p:style>
+      </p:sp>
+      <p:sp>
+        <p:nvSpPr>
+          <p:cNvPr id="19" name="Rectangle 27">
+            <a:extLst>
+              <a:ext uri="{FF2B5EF4-FFF2-40B4-BE49-F238E27FC236}">
+                <a16:creationId xmlns:a16="http://schemas.microsoft.com/office/drawing/2014/main" id="{31896C80-2069-4431-9C19-83B913734490}"/>
+              </a:ext>
+              <a:ext uri="{C183D7F6-B498-43B3-948B-1728B52AA6E4}">
+                <adec:decorative xmlns:adec="http://schemas.microsoft.com/office/drawing/2017/decorative" val="1"/>
+              </a:ext>
+            </a:extLst>
+          </p:cNvPr>
+          <p:cNvSpPr>
+            <a:spLocks noGrp="1" noRot="1" noChangeAspect="1" noMove="1" noResize="1" noEditPoints="1" noAdjustHandles="1" noChangeArrowheads="1" noChangeShapeType="1" noTextEdit="1"/>
+          </p:cNvSpPr>
+          <p:nvPr>
+            <p:extLst>
+              <p:ext uri="{386F3935-93C4-4BCD-93E2-E3B085C9AB24}">
+                <p16:designElem xmlns:p16="http://schemas.microsoft.com/office/powerpoint/2015/main" val="1"/>
+              </p:ext>
+            </p:extLst>
+          </p:nvPr>
+        </p:nvSpPr>
+        <p:spPr>
+          <a:xfrm>
+            <a:off x="9334500" y="-8467"/>
+            <a:ext cx="2854326" cy="6866467"/>
+          </a:xfrm>
+          <a:custGeom>
+            <a:avLst/>
+            <a:gdLst/>
+            <a:ahLst/>
+            <a:cxnLst/>
+            <a:rect l="l" t="t" r="r" b="b"/>
+            <a:pathLst>
+              <a:path w="2858013" h="6866467">
+                <a:moveTo>
+                  <a:pt x="0" y="0"/>
+                </a:moveTo>
+                <a:lnTo>
+                  <a:pt x="2858013" y="0"/>
+                </a:lnTo>
+                <a:lnTo>
+                  <a:pt x="2858013" y="6866467"/>
+                </a:lnTo>
+                <a:lnTo>
+                  <a:pt x="2473942" y="6866467"/>
+                </a:lnTo>
+                <a:lnTo>
+                  <a:pt x="0" y="0"/>
+                </a:lnTo>
+                <a:close/>
+              </a:path>
+            </a:pathLst>
+          </a:custGeom>
+          <a:solidFill>
+            <a:schemeClr val="accent2">
+              <a:lumMod val="75000"/>
+              <a:alpha val="47000"/>
+            </a:schemeClr>
+          </a:solidFill>
+          <a:ln>
+            <a:noFill/>
+          </a:ln>
+          <a:effectLst/>
+        </p:spPr>
+        <p:style>
+          <a:lnRef idx="1">
+            <a:schemeClr val="accent1"/>
+          </a:lnRef>
+          <a:fillRef idx="3">
+            <a:schemeClr val="accent1"/>
+          </a:fillRef>
+          <a:effectRef idx="2">
+            <a:schemeClr val="accent1"/>
+          </a:effectRef>
+          <a:fontRef idx="minor">
+            <a:schemeClr val="lt1"/>
+          </a:fontRef>
+        </p:style>
+      </p:sp>
+      <p:sp>
+        <p:nvSpPr>
+          <p:cNvPr id="21" name="Rectangle 28">
+            <a:extLst>
+              <a:ext uri="{FF2B5EF4-FFF2-40B4-BE49-F238E27FC236}">
+                <a16:creationId xmlns:a16="http://schemas.microsoft.com/office/drawing/2014/main" id="{BF120A21-0841-4823-B0C4-28AEBCEF9B78}"/>
+              </a:ext>
+              <a:ext uri="{C183D7F6-B498-43B3-948B-1728B52AA6E4}">
+                <adec:decorative xmlns:adec="http://schemas.microsoft.com/office/drawing/2017/decorative" val="1"/>
+              </a:ext>
+            </a:extLst>
+          </p:cNvPr>
+          <p:cNvSpPr>
+            <a:spLocks noGrp="1" noRot="1" noChangeAspect="1" noMove="1" noResize="1" noEditPoints="1" noAdjustHandles="1" noChangeArrowheads="1" noChangeShapeType="1" noTextEdit="1"/>
+          </p:cNvSpPr>
+          <p:nvPr>
+            <p:extLst>
+              <p:ext uri="{386F3935-93C4-4BCD-93E2-E3B085C9AB24}">
+                <p16:designElem xmlns:p16="http://schemas.microsoft.com/office/powerpoint/2015/main" val="1"/>
+              </p:ext>
+            </p:extLst>
+          </p:nvPr>
+        </p:nvSpPr>
+        <p:spPr>
+          <a:xfrm>
+            <a:off x="10898730" y="-8467"/>
+            <a:ext cx="1290094" cy="6866467"/>
+          </a:xfrm>
+          <a:custGeom>
+            <a:avLst/>
+            <a:gdLst/>
+            <a:ahLst/>
+            <a:cxnLst/>
+            <a:rect l="l" t="t" r="r" b="b"/>
+            <a:pathLst>
+              <a:path w="1290094" h="6858000">
+                <a:moveTo>
+                  <a:pt x="1019735" y="0"/>
+                </a:moveTo>
+                <a:lnTo>
+                  <a:pt x="1290094" y="0"/>
+                </a:lnTo>
+                <a:lnTo>
+                  <a:pt x="1290094" y="6858000"/>
+                </a:lnTo>
+                <a:lnTo>
+                  <a:pt x="0" y="6858000"/>
+                </a:lnTo>
+                <a:lnTo>
+                  <a:pt x="1019735" y="0"/>
+                </a:lnTo>
+                <a:close/>
+              </a:path>
+            </a:pathLst>
+          </a:custGeom>
+          <a:solidFill>
+            <a:schemeClr val="accent1">
+              <a:lumMod val="60000"/>
+              <a:lumOff val="40000"/>
+              <a:alpha val="70000"/>
+            </a:schemeClr>
+          </a:solidFill>
+          <a:ln>
+            <a:noFill/>
+          </a:ln>
+          <a:effectLst/>
+        </p:spPr>
+        <p:style>
+          <a:lnRef idx="1">
+            <a:schemeClr val="accent1"/>
+          </a:lnRef>
+          <a:fillRef idx="3">
+            <a:schemeClr val="accent1"/>
+          </a:fillRef>
+          <a:effectRef idx="2">
+            <a:schemeClr val="accent1"/>
+          </a:effectRef>
+          <a:fontRef idx="minor">
+            <a:schemeClr val="lt1"/>
+          </a:fontRef>
+        </p:style>
+      </p:sp>
+      <p:sp>
+        <p:nvSpPr>
+          <p:cNvPr id="23" name="Rectangle 29">
+            <a:extLst>
+              <a:ext uri="{FF2B5EF4-FFF2-40B4-BE49-F238E27FC236}">
+                <a16:creationId xmlns:a16="http://schemas.microsoft.com/office/drawing/2014/main" id="{DBB05BAE-BBD3-4289-899F-A6851503C6B0}"/>
+              </a:ext>
+              <a:ext uri="{C183D7F6-B498-43B3-948B-1728B52AA6E4}">
+                <adec:decorative xmlns:adec="http://schemas.microsoft.com/office/drawing/2017/decorative" val="1"/>
+              </a:ext>
+            </a:extLst>
+          </p:cNvPr>
+          <p:cNvSpPr>
+            <a:spLocks noGrp="1" noRot="1" noChangeAspect="1" noMove="1" noResize="1" noEditPoints="1" noAdjustHandles="1" noChangeArrowheads="1" noChangeShapeType="1" noTextEdit="1"/>
+          </p:cNvSpPr>
+          <p:nvPr>
+            <p:extLst>
+              <p:ext uri="{386F3935-93C4-4BCD-93E2-E3B085C9AB24}">
+                <p16:designElem xmlns:p16="http://schemas.microsoft.com/office/powerpoint/2015/main" val="1"/>
+              </p:ext>
+            </p:extLst>
+          </p:nvPr>
+        </p:nvSpPr>
+        <p:spPr>
+          <a:xfrm>
+            <a:off x="10938999" y="-8467"/>
+            <a:ext cx="1249825" cy="6866467"/>
+          </a:xfrm>
+          <a:custGeom>
+            <a:avLst/>
+            <a:gdLst/>
+            <a:ahLst/>
+            <a:cxnLst/>
+            <a:rect l="l" t="t" r="r" b="b"/>
+            <a:pathLst>
+              <a:path w="1249825" h="6858000">
+                <a:moveTo>
+                  <a:pt x="0" y="0"/>
+                </a:moveTo>
+                <a:lnTo>
+                  <a:pt x="1249825" y="0"/>
+                </a:lnTo>
+                <a:lnTo>
+                  <a:pt x="1249825" y="6858000"/>
+                </a:lnTo>
+                <a:lnTo>
+                  <a:pt x="1109382" y="6858000"/>
+                </a:lnTo>
+                <a:lnTo>
+                  <a:pt x="0" y="0"/>
+                </a:lnTo>
+                <a:close/>
+              </a:path>
+            </a:pathLst>
+          </a:custGeom>
+          <a:solidFill>
+            <a:schemeClr val="accent1">
+              <a:alpha val="65000"/>
+            </a:schemeClr>
+          </a:solidFill>
+          <a:ln>
+            <a:noFill/>
+          </a:ln>
+          <a:effectLst/>
+        </p:spPr>
+        <p:style>
+          <a:lnRef idx="1">
+            <a:schemeClr val="accent1"/>
+          </a:lnRef>
+          <a:fillRef idx="3">
+            <a:schemeClr val="accent1"/>
+          </a:fillRef>
+          <a:effectRef idx="2">
+            <a:schemeClr val="accent1"/>
+          </a:effectRef>
+          <a:fontRef idx="minor">
+            <a:schemeClr val="lt1"/>
+          </a:fontRef>
+        </p:style>
+      </p:sp>
+      <p:sp>
+        <p:nvSpPr>
+          <p:cNvPr id="25" name="Isosceles Triangle 29">
+            <a:extLst>
+              <a:ext uri="{FF2B5EF4-FFF2-40B4-BE49-F238E27FC236}">
+                <a16:creationId xmlns:a16="http://schemas.microsoft.com/office/drawing/2014/main" id="{9874D11C-36F5-4BBE-A490-019A54E953B0}"/>
+              </a:ext>
+              <a:ext uri="{C183D7F6-B498-43B3-948B-1728B52AA6E4}">
+                <adec:decorative xmlns:adec="http://schemas.microsoft.com/office/drawing/2017/decorative" val="1"/>
+              </a:ext>
+            </a:extLst>
+          </p:cNvPr>
+          <p:cNvSpPr>
+            <a:spLocks noGrp="1" noRot="1" noChangeAspect="1" noMove="1" noResize="1" noEditPoints="1" noAdjustHandles="1" noChangeArrowheads="1" noChangeShapeType="1" noTextEdit="1"/>
+          </p:cNvSpPr>
+          <p:nvPr>
+            <p:extLst>
+              <p:ext uri="{386F3935-93C4-4BCD-93E2-E3B085C9AB24}">
+                <p16:designElem xmlns:p16="http://schemas.microsoft.com/office/powerpoint/2015/main" val="1"/>
+              </p:ext>
+            </p:extLst>
+          </p:nvPr>
+        </p:nvSpPr>
+        <p:spPr>
+          <a:xfrm>
+            <a:off x="10371666" y="3589867"/>
+            <a:ext cx="1817159" cy="3268133"/>
+          </a:xfrm>
+          <a:prstGeom prst="triangle">
+            <a:avLst>
+              <a:gd name="adj" fmla="val 100000"/>
+            </a:avLst>
+          </a:prstGeom>
+          <a:solidFill>
+            <a:schemeClr val="accent1">
+              <a:alpha val="80000"/>
+            </a:schemeClr>
+          </a:solidFill>
+          <a:ln>
+            <a:noFill/>
+          </a:ln>
+          <a:effectLst/>
+        </p:spPr>
+        <p:style>
+          <a:lnRef idx="1">
+            <a:schemeClr val="accent1"/>
+          </a:lnRef>
+          <a:fillRef idx="3">
+            <a:schemeClr val="accent1"/>
+          </a:fillRef>
+          <a:effectRef idx="2">
+            <a:schemeClr val="accent1"/>
+          </a:effectRef>
+          <a:fontRef idx="minor">
+            <a:schemeClr val="lt1"/>
+          </a:fontRef>
+        </p:style>
+      </p:sp>
+    </p:spTree>
+    <p:extLst>
+      <p:ext uri="{BB962C8B-B14F-4D97-AF65-F5344CB8AC3E}">
+        <p14:creationId xmlns:p14="http://schemas.microsoft.com/office/powerpoint/2010/main" val="1420854670"/>
+      </p:ext>
+    </p:extLst>
+  </p:cSld>
+  <p:clrMapOvr>
+    <a:masterClrMapping/>
+  </p:clrMapOvr>
+</p:sld>
+</file>
+
 <file path=ppt/theme/theme1.xml><?xml version="1.0" encoding="utf-8"?>
 <a:theme xmlns:a="http://schemas.openxmlformats.org/drawingml/2006/main" name="Facet">
   <a:themeElements>
@@ -6333,4 +8285,274 @@
     </a:ext>
   </a:extLst>
 </a:theme>
+</file>
+
+<file path=customXml/item1.xml><?xml version="1.0" encoding="utf-8"?>
+<?mso-contentType ?>
+<FormTemplates xmlns="http://schemas.microsoft.com/sharepoint/v3/contenttype/forms">
+  <Display>DocumentLibraryForm</Display>
+  <Edit>DocumentLibraryForm</Edit>
+  <New>DocumentLibraryForm</New>
+</FormTemplates>
+</file>
+
+<file path=customXml/item2.xml><?xml version="1.0" encoding="utf-8"?>
+<ct:contentTypeSchema xmlns:ct="http://schemas.microsoft.com/office/2006/metadata/contentType" xmlns:ma="http://schemas.microsoft.com/office/2006/metadata/properties/metaAttributes" ct:_="" ma:_="" ma:contentTypeName="Document" ma:contentTypeID="0x010100C63D928E44716540A7BA69385F8C371E" ma:contentTypeVersion="11" ma:contentTypeDescription="Create a new document." ma:contentTypeScope="" ma:versionID="92fe6ae7b6547479375590220384bfa8">
+  <xsd:schema xmlns:xsd="http://www.w3.org/2001/XMLSchema" xmlns:xs="http://www.w3.org/2001/XMLSchema" xmlns:p="http://schemas.microsoft.com/office/2006/metadata/properties" xmlns:ns3="790bc1b7-4645-4af9-94be-122eea8a325a" xmlns:ns4="5ab428ea-908b-4d0c-806f-1ae37c39afb6" targetNamespace="http://schemas.microsoft.com/office/2006/metadata/properties" ma:root="true" ma:fieldsID="d9cca3ef62bbbccf7b9c174bbe2a08d2" ns3:_="" ns4:_="">
+    <xsd:import namespace="790bc1b7-4645-4af9-94be-122eea8a325a"/>
+    <xsd:import namespace="5ab428ea-908b-4d0c-806f-1ae37c39afb6"/>
+    <xsd:element name="properties">
+      <xsd:complexType>
+        <xsd:sequence>
+          <xsd:element name="documentManagement">
+            <xsd:complexType>
+              <xsd:all>
+                <xsd:element ref="ns3:MediaServiceMetadata" minOccurs="0"/>
+                <xsd:element ref="ns3:MediaServiceFastMetadata" minOccurs="0"/>
+                <xsd:element ref="ns3:MediaServiceAutoKeyPoints" minOccurs="0"/>
+                <xsd:element ref="ns3:MediaServiceKeyPoints" minOccurs="0"/>
+                <xsd:element ref="ns4:SharedWithUsers" minOccurs="0"/>
+                <xsd:element ref="ns4:SharedWithDetails" minOccurs="0"/>
+                <xsd:element ref="ns4:SharingHintHash" minOccurs="0"/>
+                <xsd:element ref="ns3:MediaServiceAutoTags" minOccurs="0"/>
+                <xsd:element ref="ns3:MediaServiceOCR" minOccurs="0"/>
+                <xsd:element ref="ns3:MediaServiceGenerationTime" minOccurs="0"/>
+                <xsd:element ref="ns3:MediaServiceEventHashCode" minOccurs="0"/>
+              </xsd:all>
+            </xsd:complexType>
+          </xsd:element>
+        </xsd:sequence>
+      </xsd:complexType>
+    </xsd:element>
+  </xsd:schema>
+  <xsd:schema xmlns:xsd="http://www.w3.org/2001/XMLSchema" xmlns:xs="http://www.w3.org/2001/XMLSchema" xmlns:dms="http://schemas.microsoft.com/office/2006/documentManagement/types" xmlns:pc="http://schemas.microsoft.com/office/infopath/2007/PartnerControls" targetNamespace="790bc1b7-4645-4af9-94be-122eea8a325a" elementFormDefault="qualified">
+    <xsd:import namespace="http://schemas.microsoft.com/office/2006/documentManagement/types"/>
+    <xsd:import namespace="http://schemas.microsoft.com/office/infopath/2007/PartnerControls"/>
+    <xsd:element name="MediaServiceMetadata" ma:index="8" nillable="true" ma:displayName="MediaServiceMetadata" ma:hidden="true" ma:internalName="MediaServiceMetadata" ma:readOnly="true">
+      <xsd:simpleType>
+        <xsd:restriction base="dms:Note"/>
+      </xsd:simpleType>
+    </xsd:element>
+    <xsd:element name="MediaServiceFastMetadata" ma:index="9" nillable="true" ma:displayName="MediaServiceFastMetadata" ma:hidden="true" ma:internalName="MediaServiceFastMetadata" ma:readOnly="true">
+      <xsd:simpleType>
+        <xsd:restriction base="dms:Note"/>
+      </xsd:simpleType>
+    </xsd:element>
+    <xsd:element name="MediaServiceAutoKeyPoints" ma:index="10" nillable="true" ma:displayName="MediaServiceAutoKeyPoints" ma:hidden="true" ma:internalName="MediaServiceAutoKeyPoints" ma:readOnly="true">
+      <xsd:simpleType>
+        <xsd:restriction base="dms:Note"/>
+      </xsd:simpleType>
+    </xsd:element>
+    <xsd:element name="MediaServiceKeyPoints" ma:index="11" nillable="true" ma:displayName="KeyPoints" ma:internalName="MediaServiceKeyPoints" ma:readOnly="true">
+      <xsd:simpleType>
+        <xsd:restriction base="dms:Note">
+          <xsd:maxLength value="255"/>
+        </xsd:restriction>
+      </xsd:simpleType>
+    </xsd:element>
+    <xsd:element name="MediaServiceAutoTags" ma:index="15" nillable="true" ma:displayName="Tags" ma:internalName="MediaServiceAutoTags" ma:readOnly="true">
+      <xsd:simpleType>
+        <xsd:restriction base="dms:Text"/>
+      </xsd:simpleType>
+    </xsd:element>
+    <xsd:element name="MediaServiceOCR" ma:index="16" nillable="true" ma:displayName="Extracted Text" ma:internalName="MediaServiceOCR" ma:readOnly="true">
+      <xsd:simpleType>
+        <xsd:restriction base="dms:Note">
+          <xsd:maxLength value="255"/>
+        </xsd:restriction>
+      </xsd:simpleType>
+    </xsd:element>
+    <xsd:element name="MediaServiceGenerationTime" ma:index="17" nillable="true" ma:displayName="MediaServiceGenerationTime" ma:hidden="true" ma:internalName="MediaServiceGenerationTime" ma:readOnly="true">
+      <xsd:simpleType>
+        <xsd:restriction base="dms:Text"/>
+      </xsd:simpleType>
+    </xsd:element>
+    <xsd:element name="MediaServiceEventHashCode" ma:index="18" nillable="true" ma:displayName="MediaServiceEventHashCode" ma:hidden="true" ma:internalName="MediaServiceEventHashCode" ma:readOnly="true">
+      <xsd:simpleType>
+        <xsd:restriction base="dms:Text"/>
+      </xsd:simpleType>
+    </xsd:element>
+  </xsd:schema>
+  <xsd:schema xmlns:xsd="http://www.w3.org/2001/XMLSchema" xmlns:xs="http://www.w3.org/2001/XMLSchema" xmlns:dms="http://schemas.microsoft.com/office/2006/documentManagement/types" xmlns:pc="http://schemas.microsoft.com/office/infopath/2007/PartnerControls" targetNamespace="5ab428ea-908b-4d0c-806f-1ae37c39afb6" elementFormDefault="qualified">
+    <xsd:import namespace="http://schemas.microsoft.com/office/2006/documentManagement/types"/>
+    <xsd:import namespace="http://schemas.microsoft.com/office/infopath/2007/PartnerControls"/>
+    <xsd:element name="SharedWithUsers" ma:index="12" nillable="true" ma:displayName="Shared With" ma:internalName="SharedWithUsers" ma:readOnly="true">
+      <xsd:complexType>
+        <xsd:complexContent>
+          <xsd:extension base="dms:UserMulti">
+            <xsd:sequence>
+              <xsd:element name="UserInfo" minOccurs="0" maxOccurs="unbounded">
+                <xsd:complexType>
+                  <xsd:sequence>
+                    <xsd:element name="DisplayName" type="xsd:string" minOccurs="0"/>
+                    <xsd:element name="AccountId" type="dms:UserId" minOccurs="0" nillable="true"/>
+                    <xsd:element name="AccountType" type="xsd:string" minOccurs="0"/>
+                  </xsd:sequence>
+                </xsd:complexType>
+              </xsd:element>
+            </xsd:sequence>
+          </xsd:extension>
+        </xsd:complexContent>
+      </xsd:complexType>
+    </xsd:element>
+    <xsd:element name="SharedWithDetails" ma:index="13" nillable="true" ma:displayName="Shared With Details" ma:internalName="SharedWithDetails" ma:readOnly="true">
+      <xsd:simpleType>
+        <xsd:restriction base="dms:Note">
+          <xsd:maxLength value="255"/>
+        </xsd:restriction>
+      </xsd:simpleType>
+    </xsd:element>
+    <xsd:element name="SharingHintHash" ma:index="14" nillable="true" ma:displayName="Sharing Hint Hash" ma:hidden="true" ma:internalName="SharingHintHash" ma:readOnly="true">
+      <xsd:simpleType>
+        <xsd:restriction base="dms:Text"/>
+      </xsd:simpleType>
+    </xsd:element>
+  </xsd:schema>
+  <xsd:schema xmlns="http://schemas.openxmlformats.org/package/2006/metadata/core-properties" xmlns:xsd="http://www.w3.org/2001/XMLSchema" xmlns:xsi="http://www.w3.org/2001/XMLSchema-instance" xmlns:dc="http://purl.org/dc/elements/1.1/" xmlns:dcterms="http://purl.org/dc/terms/" xmlns:odoc="http://schemas.microsoft.com/internal/obd" targetNamespace="http://schemas.openxmlformats.org/package/2006/metadata/core-properties" elementFormDefault="qualified" attributeFormDefault="unqualified" blockDefault="#all">
+    <xsd:import namespace="http://purl.org/dc/elements/1.1/" schemaLocation="http://dublincore.org/schemas/xmls/qdc/2003/04/02/dc.xsd"/>
+    <xsd:import namespace="http://purl.org/dc/terms/" schemaLocation="http://dublincore.org/schemas/xmls/qdc/2003/04/02/dcterms.xsd"/>
+    <xsd:element name="coreProperties" type="CT_coreProperties"/>
+    <xsd:complexType name="CT_coreProperties">
+      <xsd:all>
+        <xsd:element ref="dc:creator" minOccurs="0" maxOccurs="1"/>
+        <xsd:element ref="dcterms:created" minOccurs="0" maxOccurs="1"/>
+        <xsd:element ref="dc:identifier" minOccurs="0" maxOccurs="1"/>
+        <xsd:element name="contentType" minOccurs="0" maxOccurs="1" type="xsd:string" ma:index="0" ma:displayName="Content Type"/>
+        <xsd:element ref="dc:title" minOccurs="0" maxOccurs="1" ma:index="4" ma:displayName="Title"/>
+        <xsd:element ref="dc:subject" minOccurs="0" maxOccurs="1"/>
+        <xsd:element ref="dc:description" minOccurs="0" maxOccurs="1"/>
+        <xsd:element name="keywords" minOccurs="0" maxOccurs="1" type="xsd:string"/>
+        <xsd:element ref="dc:language" minOccurs="0" maxOccurs="1"/>
+        <xsd:element name="category" minOccurs="0" maxOccurs="1" type="xsd:string"/>
+        <xsd:element name="version" minOccurs="0" maxOccurs="1" type="xsd:string"/>
+        <xsd:element name="revision" minOccurs="0" maxOccurs="1" type="xsd:string">
+          <xsd:annotation>
+            <xsd:documentation>
+                        This value indicates the number of saves or revisions. The application is responsible for updating this value after each revision.
+                    </xsd:documentation>
+          </xsd:annotation>
+        </xsd:element>
+        <xsd:element name="lastModifiedBy" minOccurs="0" maxOccurs="1" type="xsd:string"/>
+        <xsd:element ref="dcterms:modified" minOccurs="0" maxOccurs="1"/>
+        <xsd:element name="contentStatus" minOccurs="0" maxOccurs="1" type="xsd:string"/>
+      </xsd:all>
+    </xsd:complexType>
+  </xsd:schema>
+  <xs:schema xmlns:pc="http://schemas.microsoft.com/office/infopath/2007/PartnerControls" xmlns:xs="http://www.w3.org/2001/XMLSchema" targetNamespace="http://schemas.microsoft.com/office/infopath/2007/PartnerControls" elementFormDefault="qualified" attributeFormDefault="unqualified">
+    <xs:element name="Person">
+      <xs:complexType>
+        <xs:sequence>
+          <xs:element ref="pc:DisplayName" minOccurs="0"/>
+          <xs:element ref="pc:AccountId" minOccurs="0"/>
+          <xs:element ref="pc:AccountType" minOccurs="0"/>
+        </xs:sequence>
+      </xs:complexType>
+    </xs:element>
+    <xs:element name="DisplayName" type="xs:string"/>
+    <xs:element name="AccountId" type="xs:string"/>
+    <xs:element name="AccountType" type="xs:string"/>
+    <xs:element name="BDCAssociatedEntity">
+      <xs:complexType>
+        <xs:sequence>
+          <xs:element ref="pc:BDCEntity" minOccurs="0" maxOccurs="unbounded"/>
+        </xs:sequence>
+        <xs:attribute ref="pc:EntityNamespace"/>
+        <xs:attribute ref="pc:EntityName"/>
+        <xs:attribute ref="pc:SystemInstanceName"/>
+        <xs:attribute ref="pc:AssociationName"/>
+      </xs:complexType>
+    </xs:element>
+    <xs:attribute name="EntityNamespace" type="xs:string"/>
+    <xs:attribute name="EntityName" type="xs:string"/>
+    <xs:attribute name="SystemInstanceName" type="xs:string"/>
+    <xs:attribute name="AssociationName" type="xs:string"/>
+    <xs:element name="BDCEntity">
+      <xs:complexType>
+        <xs:sequence>
+          <xs:element ref="pc:EntityDisplayName" minOccurs="0"/>
+          <xs:element ref="pc:EntityInstanceReference" minOccurs="0"/>
+          <xs:element ref="pc:EntityId1" minOccurs="0"/>
+          <xs:element ref="pc:EntityId2" minOccurs="0"/>
+          <xs:element ref="pc:EntityId3" minOccurs="0"/>
+          <xs:element ref="pc:EntityId4" minOccurs="0"/>
+          <xs:element ref="pc:EntityId5" minOccurs="0"/>
+        </xs:sequence>
+      </xs:complexType>
+    </xs:element>
+    <xs:element name="EntityDisplayName" type="xs:string"/>
+    <xs:element name="EntityInstanceReference" type="xs:string"/>
+    <xs:element name="EntityId1" type="xs:string"/>
+    <xs:element name="EntityId2" type="xs:string"/>
+    <xs:element name="EntityId3" type="xs:string"/>
+    <xs:element name="EntityId4" type="xs:string"/>
+    <xs:element name="EntityId5" type="xs:string"/>
+    <xs:element name="Terms">
+      <xs:complexType>
+        <xs:sequence>
+          <xs:element ref="pc:TermInfo" minOccurs="0" maxOccurs="unbounded"/>
+        </xs:sequence>
+      </xs:complexType>
+    </xs:element>
+    <xs:element name="TermInfo">
+      <xs:complexType>
+        <xs:sequence>
+          <xs:element ref="pc:TermName" minOccurs="0"/>
+          <xs:element ref="pc:TermId" minOccurs="0"/>
+        </xs:sequence>
+      </xs:complexType>
+    </xs:element>
+    <xs:element name="TermName" type="xs:string"/>
+    <xs:element name="TermId" type="xs:string"/>
+  </xs:schema>
+</ct:contentTypeSchema>
+</file>
+
+<file path=customXml/item3.xml><?xml version="1.0" encoding="utf-8"?>
+<p:properties xmlns:p="http://schemas.microsoft.com/office/2006/metadata/properties" xmlns:xsi="http://www.w3.org/2001/XMLSchema-instance" xmlns:pc="http://schemas.microsoft.com/office/infopath/2007/PartnerControls">
+  <documentManagement/>
+</p:properties>
+</file>
+
+<file path=customXml/itemProps1.xml><?xml version="1.0" encoding="utf-8"?>
+<ds:datastoreItem xmlns:ds="http://schemas.openxmlformats.org/officeDocument/2006/customXml" ds:itemID="{0D70A72C-3816-4DFD-9940-7AD877F97BA7}">
+  <ds:schemaRefs>
+    <ds:schemaRef ds:uri="http://schemas.microsoft.com/sharepoint/v3/contenttype/forms"/>
+  </ds:schemaRefs>
+</ds:datastoreItem>
+</file>
+
+<file path=customXml/itemProps2.xml><?xml version="1.0" encoding="utf-8"?>
+<ds:datastoreItem xmlns:ds="http://schemas.openxmlformats.org/officeDocument/2006/customXml" ds:itemID="{35A6341B-556C-47E5-AEE1-538140E67692}">
+  <ds:schemaRefs>
+    <ds:schemaRef ds:uri="http://schemas.microsoft.com/office/2006/metadata/contentType"/>
+    <ds:schemaRef ds:uri="http://schemas.microsoft.com/office/2006/metadata/properties/metaAttributes"/>
+    <ds:schemaRef ds:uri="http://www.w3.org/2001/XMLSchema"/>
+    <ds:schemaRef ds:uri="http://schemas.microsoft.com/office/2006/metadata/properties"/>
+    <ds:schemaRef ds:uri="790bc1b7-4645-4af9-94be-122eea8a325a"/>
+    <ds:schemaRef ds:uri="5ab428ea-908b-4d0c-806f-1ae37c39afb6"/>
+    <ds:schemaRef ds:uri="http://schemas.microsoft.com/office/2006/documentManagement/types"/>
+    <ds:schemaRef ds:uri="http://schemas.microsoft.com/office/infopath/2007/PartnerControls"/>
+    <ds:schemaRef ds:uri="http://schemas.openxmlformats.org/package/2006/metadata/core-properties"/>
+    <ds:schemaRef ds:uri="http://purl.org/dc/elements/1.1/"/>
+    <ds:schemaRef ds:uri="http://purl.org/dc/terms/"/>
+    <ds:schemaRef ds:uri="http://schemas.microsoft.com/internal/obd"/>
+  </ds:schemaRefs>
+</ds:datastoreItem>
+</file>
+
+<file path=customXml/itemProps3.xml><?xml version="1.0" encoding="utf-8"?>
+<ds:datastoreItem xmlns:ds="http://schemas.openxmlformats.org/officeDocument/2006/customXml" ds:itemID="{E29DAC99-20F9-4C90-A290-E1A23969348D}">
+  <ds:schemaRefs>
+    <ds:schemaRef ds:uri="http://www.w3.org/XML/1998/namespace"/>
+    <ds:schemaRef ds:uri="http://purl.org/dc/dcmitype/"/>
+    <ds:schemaRef ds:uri="790bc1b7-4645-4af9-94be-122eea8a325a"/>
+    <ds:schemaRef ds:uri="http://purl.org/dc/elements/1.1/"/>
+    <ds:schemaRef ds:uri="http://schemas.microsoft.com/office/2006/metadata/properties"/>
+    <ds:schemaRef ds:uri="http://schemas.microsoft.com/office/infopath/2007/PartnerControls"/>
+    <ds:schemaRef ds:uri="http://schemas.microsoft.com/office/2006/documentManagement/types"/>
+    <ds:schemaRef ds:uri="http://schemas.openxmlformats.org/package/2006/metadata/core-properties"/>
+    <ds:schemaRef ds:uri="5ab428ea-908b-4d0c-806f-1ae37c39afb6"/>
+    <ds:schemaRef ds:uri="http://purl.org/dc/terms/"/>
+  </ds:schemaRefs>
+</ds:datastoreItem>
 </file>